--- a/presentation/Helpdesk/Pintér Dávid/david_pinter_presentation.pptx
+++ b/presentation/Helpdesk/Pintér Dávid/david_pinter_presentation.pptx
@@ -5,7 +5,7 @@
     <p:sldMasterId id="2147483660" r:id="rId4"/>
   </p:sldMasterIdLst>
   <p:notesMasterIdLst>
-    <p:notesMasterId r:id="rId12"/>
+    <p:notesMasterId r:id="rId13"/>
   </p:notesMasterIdLst>
   <p:sldIdLst>
     <p:sldId id="268" r:id="rId5"/>
@@ -13,8 +13,9 @@
     <p:sldId id="270" r:id="rId7"/>
     <p:sldId id="275" r:id="rId8"/>
     <p:sldId id="271" r:id="rId9"/>
-    <p:sldId id="272" r:id="rId10"/>
-    <p:sldId id="258" r:id="rId11"/>
+    <p:sldId id="276" r:id="rId10"/>
+    <p:sldId id="272" r:id="rId11"/>
+    <p:sldId id="258" r:id="rId12"/>
   </p:sldIdLst>
   <p:sldSz cx="9144000" cy="5143500" type="screen16x9"/>
   <p:notesSz cx="6858000" cy="9144000"/>
@@ -994,6 +995,93 @@
               <a:rPr lang="hu-HU" smtClean="0"/>
               <a:pPr/>
               <a:t>6</a:t>
+            </a:fld>
+            <a:endParaRPr lang="hu-HU"/>
+          </a:p>
+        </p:txBody>
+      </p:sp>
+    </p:spTree>
+    <p:extLst>
+      <p:ext uri="{BB962C8B-B14F-4D97-AF65-F5344CB8AC3E}">
+        <p14:creationId xmlns:p14="http://schemas.microsoft.com/office/powerpoint/2010/main" val="3190871788"/>
+      </p:ext>
+    </p:extLst>
+  </p:cSld>
+  <p:clrMapOvr>
+    <a:masterClrMapping/>
+  </p:clrMapOvr>
+</p:notes>
+</file>
+
+<file path=ppt/notesSlides/notesSlide7.xml><?xml version="1.0" encoding="utf-8"?>
+<p:notes xmlns:a="http://schemas.openxmlformats.org/drawingml/2006/main" xmlns:r="http://schemas.openxmlformats.org/officeDocument/2006/relationships" xmlns:p="http://schemas.openxmlformats.org/presentationml/2006/main">
+  <p:cSld>
+    <p:spTree>
+      <p:nvGrpSpPr>
+        <p:cNvPr id="1" name=""/>
+        <p:cNvGrpSpPr/>
+        <p:nvPr/>
+      </p:nvGrpSpPr>
+      <p:grpSpPr>
+        <a:xfrm>
+          <a:off x="0" y="0"/>
+          <a:ext cx="0" cy="0"/>
+          <a:chOff x="0" y="0"/>
+          <a:chExt cx="0" cy="0"/>
+        </a:xfrm>
+      </p:grpSpPr>
+      <p:sp>
+        <p:nvSpPr>
+          <p:cNvPr id="2" name="Diakép helye 1"/>
+          <p:cNvSpPr>
+            <a:spLocks noGrp="1" noRot="1" noChangeAspect="1"/>
+          </p:cNvSpPr>
+          <p:nvPr>
+            <p:ph type="sldImg"/>
+          </p:nvPr>
+        </p:nvSpPr>
+        <p:spPr/>
+      </p:sp>
+      <p:sp>
+        <p:nvSpPr>
+          <p:cNvPr id="3" name="Jegyzetek helye 2"/>
+          <p:cNvSpPr>
+            <a:spLocks noGrp="1"/>
+          </p:cNvSpPr>
+          <p:nvPr>
+            <p:ph type="body" idx="1"/>
+          </p:nvPr>
+        </p:nvSpPr>
+        <p:spPr/>
+        <p:txBody>
+          <a:bodyPr>
+            <a:normAutofit/>
+          </a:bodyPr>
+          <a:lstStyle/>
+          <a:p>
+            <a:endParaRPr lang="hu-HU" baseline="0" dirty="0"/>
+          </a:p>
+        </p:txBody>
+      </p:sp>
+      <p:sp>
+        <p:nvSpPr>
+          <p:cNvPr id="4" name="Dia számának helye 3"/>
+          <p:cNvSpPr>
+            <a:spLocks noGrp="1"/>
+          </p:cNvSpPr>
+          <p:nvPr>
+            <p:ph type="sldNum" sz="quarter" idx="10"/>
+          </p:nvPr>
+        </p:nvSpPr>
+        <p:spPr/>
+        <p:txBody>
+          <a:bodyPr/>
+          <a:lstStyle/>
+          <a:p>
+            <a:fld id="{37F5BA7A-53FA-4B64-BA9D-1AFB6F476CB1}" type="slidenum">
+              <a:rPr lang="hu-HU" smtClean="0"/>
+              <a:pPr/>
+              <a:t>7</a:t>
             </a:fld>
             <a:endParaRPr lang="hu-HU"/>
           </a:p>
@@ -5287,6 +5375,361 @@
           <a:p>
             <a:r>
               <a:rPr lang="hu-HU" sz="3200" dirty="0"/>
+              <a:t>Kihívások</a:t>
+            </a:r>
+          </a:p>
+        </p:txBody>
+      </p:sp>
+      <p:sp>
+        <p:nvSpPr>
+          <p:cNvPr id="5" name="Tartalom helye 2"/>
+          <p:cNvSpPr txBox="1">
+            <a:spLocks/>
+          </p:cNvSpPr>
+          <p:nvPr/>
+        </p:nvSpPr>
+        <p:spPr>
+          <a:xfrm>
+            <a:off x="484221" y="1459630"/>
+            <a:ext cx="5388758" cy="2995637"/>
+          </a:xfrm>
+          <a:prstGeom prst="rect">
+            <a:avLst/>
+          </a:prstGeom>
+        </p:spPr>
+        <p:txBody>
+          <a:bodyPr vert="horz" lIns="91440" tIns="45720" rIns="91440" bIns="45720" rtlCol="0">
+            <a:noAutofit/>
+          </a:bodyPr>
+          <a:lstStyle/>
+          <a:p>
+            <a:pPr marL="0" marR="0" lvl="0" indent="0" defTabSz="914400" rtl="0" eaLnBrk="1" fontAlgn="auto" latinLnBrk="0" hangingPunct="1">
+              <a:lnSpc>
+                <a:spcPct val="90000"/>
+              </a:lnSpc>
+              <a:spcBef>
+                <a:spcPts val="1000"/>
+              </a:spcBef>
+              <a:spcAft>
+                <a:spcPts val="0"/>
+              </a:spcAft>
+              <a:buClrTx/>
+              <a:buSzTx/>
+              <a:buFont typeface="Arial" pitchFamily="34" charset="0"/>
+              <a:buChar char="•"/>
+              <a:tabLst/>
+              <a:defRPr/>
+            </a:pPr>
+            <a:endParaRPr lang="hu-HU" sz="2400" dirty="0"/>
+          </a:p>
+          <a:p>
+            <a:pPr marL="0" marR="0" lvl="0" indent="0" defTabSz="914400" rtl="0" eaLnBrk="1" fontAlgn="auto" latinLnBrk="0" hangingPunct="1">
+              <a:lnSpc>
+                <a:spcPct val="90000"/>
+              </a:lnSpc>
+              <a:spcBef>
+                <a:spcPts val="1000"/>
+              </a:spcBef>
+              <a:spcAft>
+                <a:spcPts val="0"/>
+              </a:spcAft>
+              <a:buClrTx/>
+              <a:buSzTx/>
+              <a:buFont typeface="Arial" pitchFamily="34" charset="0"/>
+              <a:buChar char="•"/>
+              <a:tabLst/>
+              <a:defRPr/>
+            </a:pPr>
+            <a:endParaRPr lang="hu-HU" sz="2400" dirty="0"/>
+          </a:p>
+          <a:p>
+            <a:pPr marL="0" marR="0" lvl="0" indent="0" defTabSz="914400" rtl="0" eaLnBrk="1" fontAlgn="auto" latinLnBrk="0" hangingPunct="1">
+              <a:lnSpc>
+                <a:spcPct val="90000"/>
+              </a:lnSpc>
+              <a:spcBef>
+                <a:spcPts val="1000"/>
+              </a:spcBef>
+              <a:spcAft>
+                <a:spcPts val="0"/>
+              </a:spcAft>
+              <a:buClrTx/>
+              <a:buSzTx/>
+              <a:buFont typeface="Arial" pitchFamily="34" charset="0"/>
+              <a:buChar char="•"/>
+              <a:tabLst/>
+              <a:defRPr/>
+            </a:pPr>
+            <a:endParaRPr lang="hu-HU" sz="2400" dirty="0"/>
+          </a:p>
+          <a:p>
+            <a:pPr marL="0" marR="0" lvl="0" indent="0" defTabSz="914400" rtl="0" eaLnBrk="1" fontAlgn="auto" latinLnBrk="0" hangingPunct="1">
+              <a:lnSpc>
+                <a:spcPct val="90000"/>
+              </a:lnSpc>
+              <a:spcBef>
+                <a:spcPts val="1000"/>
+              </a:spcBef>
+              <a:spcAft>
+                <a:spcPts val="0"/>
+              </a:spcAft>
+              <a:buClrTx/>
+              <a:buSzTx/>
+              <a:buFont typeface="Arial" pitchFamily="34" charset="0"/>
+              <a:buChar char="•"/>
+              <a:tabLst/>
+              <a:defRPr/>
+            </a:pPr>
+            <a:endParaRPr lang="hu-HU" sz="2400" dirty="0"/>
+          </a:p>
+          <a:p>
+            <a:pPr marL="0" marR="0" lvl="0" indent="0" defTabSz="914400" rtl="0" eaLnBrk="1" fontAlgn="auto" latinLnBrk="0" hangingPunct="1">
+              <a:lnSpc>
+                <a:spcPct val="90000"/>
+              </a:lnSpc>
+              <a:spcBef>
+                <a:spcPts val="1000"/>
+              </a:spcBef>
+              <a:spcAft>
+                <a:spcPts val="0"/>
+              </a:spcAft>
+              <a:buClrTx/>
+              <a:buSzTx/>
+              <a:buFont typeface="Arial" pitchFamily="34" charset="0"/>
+              <a:buChar char="•"/>
+              <a:tabLst/>
+              <a:defRPr/>
+            </a:pPr>
+            <a:endParaRPr lang="hu-HU" sz="2400" baseline="0" dirty="0"/>
+          </a:p>
+        </p:txBody>
+      </p:sp>
+      <p:sp>
+        <p:nvSpPr>
+          <p:cNvPr id="4" name="Szövegdoboz 3"/>
+          <p:cNvSpPr txBox="1"/>
+          <p:nvPr/>
+        </p:nvSpPr>
+        <p:spPr>
+          <a:xfrm>
+            <a:off x="238898" y="1670087"/>
+            <a:ext cx="5349102" cy="3293209"/>
+          </a:xfrm>
+          <a:prstGeom prst="rect">
+            <a:avLst/>
+          </a:prstGeom>
+          <a:noFill/>
+        </p:spPr>
+        <p:txBody>
+          <a:bodyPr wrap="square" rtlCol="0">
+            <a:spAutoFit/>
+          </a:bodyPr>
+          <a:lstStyle/>
+          <a:p>
+            <a:pPr marL="285750" indent="-285750">
+              <a:spcBef>
+                <a:spcPts val="1200"/>
+              </a:spcBef>
+              <a:buFont typeface="Arial" panose="020B0604020202020204" pitchFamily="34" charset="0"/>
+              <a:buChar char="•"/>
+            </a:pPr>
+            <a:r>
+              <a:rPr lang="hu-HU" sz="2400" dirty="0"/>
+              <a:t>Spring </a:t>
+            </a:r>
+            <a:r>
+              <a:rPr lang="hu-HU" sz="2400" dirty="0" err="1"/>
+              <a:t>securitybe</a:t>
+            </a:r>
+            <a:r>
+              <a:rPr lang="hu-HU" sz="2400" dirty="0"/>
+              <a:t> </a:t>
+            </a:r>
+            <a:r>
+              <a:rPr lang="hu-HU" sz="2400" dirty="0" err="1"/>
+              <a:t>Admin</a:t>
+            </a:r>
+            <a:r>
+              <a:rPr lang="hu-HU" sz="2400" dirty="0"/>
+              <a:t> </a:t>
+            </a:r>
+            <a:r>
+              <a:rPr lang="hu-HU" sz="2400" dirty="0" err="1"/>
+              <a:t>security</a:t>
+            </a:r>
+            <a:endParaRPr lang="hu-HU" sz="2400" dirty="0"/>
+          </a:p>
+          <a:p>
+            <a:pPr marL="285750" indent="-285750">
+              <a:spcBef>
+                <a:spcPts val="1200"/>
+              </a:spcBef>
+              <a:buFont typeface="Arial" panose="020B0604020202020204" pitchFamily="34" charset="0"/>
+              <a:buChar char="•"/>
+            </a:pPr>
+            <a:r>
+              <a:rPr lang="hu-HU" sz="2400" dirty="0"/>
+              <a:t>REST Service</a:t>
+            </a:r>
+          </a:p>
+          <a:p>
+            <a:pPr marL="742950" lvl="1" indent="-285750">
+              <a:spcBef>
+                <a:spcPts val="1200"/>
+              </a:spcBef>
+              <a:buFont typeface="Arial" panose="020B0604020202020204" pitchFamily="34" charset="0"/>
+              <a:buChar char="•"/>
+            </a:pPr>
+            <a:r>
+              <a:rPr lang="hu-HU" sz="2400" dirty="0"/>
+              <a:t>elrontotta az egész projektet</a:t>
+            </a:r>
+          </a:p>
+          <a:p>
+            <a:pPr marL="742950" lvl="1" indent="-285750">
+              <a:spcBef>
+                <a:spcPts val="1200"/>
+              </a:spcBef>
+              <a:buFont typeface="Arial" panose="020B0604020202020204" pitchFamily="34" charset="0"/>
+              <a:buChar char="•"/>
+            </a:pPr>
+            <a:r>
+              <a:rPr lang="hu-HU" sz="2400" dirty="0"/>
+              <a:t>Saját </a:t>
+            </a:r>
+            <a:r>
+              <a:rPr lang="hu-HU" sz="2400" dirty="0" err="1"/>
+              <a:t>jackson</a:t>
+            </a:r>
+            <a:r>
+              <a:rPr lang="hu-HU" sz="2400" dirty="0"/>
+              <a:t> </a:t>
+            </a:r>
+            <a:r>
+              <a:rPr lang="hu-HU" sz="2400" dirty="0" err="1"/>
+              <a:t>provider</a:t>
+            </a:r>
+            <a:r>
+              <a:rPr lang="hu-HU" sz="2400"/>
+              <a:t> konfiguráció </a:t>
+            </a:r>
+            <a:r>
+              <a:rPr lang="hu-HU" sz="2400" dirty="0"/>
+              <a:t>írása dátumok </a:t>
+            </a:r>
+            <a:r>
+              <a:rPr lang="hu-HU" sz="2400" dirty="0" err="1"/>
+              <a:t>szerializálásához</a:t>
+            </a:r>
+            <a:endParaRPr lang="hu-HU" sz="2400" dirty="0"/>
+          </a:p>
+          <a:p>
+            <a:pPr marL="742950" lvl="1" indent="-285750">
+              <a:spcBef>
+                <a:spcPts val="1200"/>
+              </a:spcBef>
+              <a:buFont typeface="Arial" panose="020B0604020202020204" pitchFamily="34" charset="0"/>
+              <a:buChar char="•"/>
+            </a:pPr>
+            <a:r>
+              <a:rPr lang="hu-HU" sz="2400" dirty="0"/>
+              <a:t>lokálisan ment, de a távoli web szerveren nem (</a:t>
+            </a:r>
+            <a:r>
+              <a:rPr lang="hu-HU" sz="2400" dirty="0" err="1"/>
+              <a:t>Cross-Origin</a:t>
+            </a:r>
+            <a:r>
+              <a:rPr lang="hu-HU" sz="2400" dirty="0"/>
+              <a:t>)</a:t>
+            </a:r>
+          </a:p>
+        </p:txBody>
+      </p:sp>
+    </p:spTree>
+    <p:extLst>
+      <p:ext uri="{BB962C8B-B14F-4D97-AF65-F5344CB8AC3E}">
+        <p14:creationId xmlns:p14="http://schemas.microsoft.com/office/powerpoint/2010/main" val="2070722649"/>
+      </p:ext>
+    </p:extLst>
+  </p:cSld>
+  <p:clrMapOvr>
+    <a:masterClrMapping/>
+  </p:clrMapOvr>
+</p:sld>
+</file>
+
+<file path=ppt/slides/slide7.xml><?xml version="1.0" encoding="utf-8"?>
+<p:sld xmlns:a="http://schemas.openxmlformats.org/drawingml/2006/main" xmlns:r="http://schemas.openxmlformats.org/officeDocument/2006/relationships" xmlns:p="http://schemas.openxmlformats.org/presentationml/2006/main">
+  <p:cSld>
+    <p:spTree>
+      <p:nvGrpSpPr>
+        <p:cNvPr id="1" name=""/>
+        <p:cNvGrpSpPr/>
+        <p:nvPr/>
+      </p:nvGrpSpPr>
+      <p:grpSpPr>
+        <a:xfrm>
+          <a:off x="0" y="0"/>
+          <a:ext cx="0" cy="0"/>
+          <a:chOff x="0" y="0"/>
+          <a:chExt cx="0" cy="0"/>
+        </a:xfrm>
+      </p:grpSpPr>
+      <p:sp>
+        <p:nvSpPr>
+          <p:cNvPr id="2" name="Cím 1"/>
+          <p:cNvSpPr>
+            <a:spLocks noGrp="1"/>
+          </p:cNvSpPr>
+          <p:nvPr>
+            <p:ph type="ctrTitle"/>
+          </p:nvPr>
+        </p:nvSpPr>
+        <p:spPr>
+          <a:xfrm>
+            <a:off x="7521394" y="67963"/>
+            <a:ext cx="1548465" cy="447603"/>
+          </a:xfrm>
+        </p:spPr>
+        <p:txBody>
+          <a:bodyPr>
+            <a:normAutofit/>
+          </a:bodyPr>
+          <a:lstStyle/>
+          <a:p>
+            <a:r>
+              <a:rPr lang="hu-HU" sz="1800" dirty="0" err="1"/>
+              <a:t>Helpdesk</a:t>
+            </a:r>
+            <a:endParaRPr lang="hu-HU" sz="1800" dirty="0"/>
+          </a:p>
+        </p:txBody>
+      </p:sp>
+      <p:sp>
+        <p:nvSpPr>
+          <p:cNvPr id="3" name="Alcím 2"/>
+          <p:cNvSpPr>
+            <a:spLocks noGrp="1"/>
+          </p:cNvSpPr>
+          <p:nvPr>
+            <p:ph type="subTitle" idx="1"/>
+          </p:nvPr>
+        </p:nvSpPr>
+        <p:spPr>
+          <a:xfrm>
+            <a:off x="238898" y="858795"/>
+            <a:ext cx="3814688" cy="434696"/>
+          </a:xfrm>
+        </p:spPr>
+        <p:txBody>
+          <a:bodyPr>
+            <a:noAutofit/>
+          </a:bodyPr>
+          <a:lstStyle/>
+          <a:p>
+            <a:r>
+              <a:rPr lang="hu-HU" sz="3200" dirty="0"/>
               <a:t>Ami nagyon tetszett</a:t>
             </a:r>
           </a:p>
@@ -5599,7 +6042,7 @@
 </p:sld>
 </file>
 
-<file path=ppt/slides/slide7.xml><?xml version="1.0" encoding="utf-8"?>
+<file path=ppt/slides/slide8.xml><?xml version="1.0" encoding="utf-8"?>
 <p:sld xmlns:a="http://schemas.openxmlformats.org/drawingml/2006/main" xmlns:r="http://schemas.openxmlformats.org/officeDocument/2006/relationships" xmlns:p="http://schemas.openxmlformats.org/presentationml/2006/main">
   <p:cSld>
     <p:bg>
@@ -6401,21 +6844,6 @@
 </file>
 
 <file path=customXml/item1.xml><?xml version="1.0" encoding="utf-8"?>
-<?mso-contentType ?>
-<FormTemplates xmlns="http://schemas.microsoft.com/sharepoint/v3/contenttype/forms">
-  <Display>DocumentLibraryForm</Display>
-  <Edit>DocumentLibraryForm</Edit>
-  <New>DocumentLibraryForm</New>
-</FormTemplates>
-</file>
-
-<file path=customXml/item2.xml><?xml version="1.0" encoding="utf-8"?>
-<p:properties xmlns:p="http://schemas.microsoft.com/office/2006/metadata/properties" xmlns:xsi="http://www.w3.org/2001/XMLSchema-instance" xmlns:pc="http://schemas.microsoft.com/office/infopath/2007/PartnerControls">
-  <documentManagement/>
-</p:properties>
-</file>
-
-<file path=customXml/item3.xml><?xml version="1.0" encoding="utf-8"?>
 <ct:contentTypeSchema xmlns:ct="http://schemas.microsoft.com/office/2006/metadata/contentType" xmlns:ma="http://schemas.microsoft.com/office/2006/metadata/properties/metaAttributes" ct:_="" ma:_="" ma:contentTypeName="Dokumentum" ma:contentTypeID="0x010100AC862C676857C24E8FC2D32B30708833" ma:contentTypeVersion="2" ma:contentTypeDescription="Új dokumentum létrehozása." ma:contentTypeScope="" ma:versionID="56d51952ebb676fe3cf20c5597969f31">
   <xsd:schema xmlns:xsd="http://www.w3.org/2001/XMLSchema" xmlns:xs="http://www.w3.org/2001/XMLSchema" xmlns:p="http://schemas.microsoft.com/office/2006/metadata/properties" xmlns:ns2="9a324a02-be43-499b-8089-7896e70993e7" targetNamespace="http://schemas.microsoft.com/office/2006/metadata/properties" ma:root="true" ma:fieldsID="4fefbcd2855290300f96a0ef710b0fa0" ns2:_="">
     <xsd:import namespace="9a324a02-be43-499b-8089-7896e70993e7"/>
@@ -6563,31 +6991,22 @@
 </ct:contentTypeSchema>
 </file>
 
-<file path=customXml/itemProps1.xml><?xml version="1.0" encoding="utf-8"?>
-<ds:datastoreItem xmlns:ds="http://schemas.openxmlformats.org/officeDocument/2006/customXml" ds:itemID="{166AD069-051C-46FD-A0CD-BDE143FEA57D}">
-  <ds:schemaRefs>
-    <ds:schemaRef ds:uri="http://schemas.microsoft.com/sharepoint/v3/contenttype/forms"/>
-  </ds:schemaRefs>
-</ds:datastoreItem>
+<file path=customXml/item2.xml><?xml version="1.0" encoding="utf-8"?>
+<p:properties xmlns:p="http://schemas.microsoft.com/office/2006/metadata/properties" xmlns:xsi="http://www.w3.org/2001/XMLSchema-instance" xmlns:pc="http://schemas.microsoft.com/office/infopath/2007/PartnerControls">
+  <documentManagement/>
+</p:properties>
 </file>
 
-<file path=customXml/itemProps2.xml><?xml version="1.0" encoding="utf-8"?>
-<ds:datastoreItem xmlns:ds="http://schemas.openxmlformats.org/officeDocument/2006/customXml" ds:itemID="{8E1455B4-EFFE-4AEE-ADC2-FE51D16F6234}">
-  <ds:schemaRefs>
-    <ds:schemaRef ds:uri="9a324a02-be43-499b-8089-7896e70993e7"/>
-    <ds:schemaRef ds:uri="http://purl.org/dc/elements/1.1/"/>
-    <ds:schemaRef ds:uri="http://schemas.microsoft.com/office/2006/metadata/properties"/>
-    <ds:schemaRef ds:uri="http://purl.org/dc/terms/"/>
-    <ds:schemaRef ds:uri="http://schemas.openxmlformats.org/package/2006/metadata/core-properties"/>
-    <ds:schemaRef ds:uri="http://schemas.microsoft.com/office/2006/documentManagement/types"/>
-    <ds:schemaRef ds:uri="http://schemas.microsoft.com/office/infopath/2007/PartnerControls"/>
-    <ds:schemaRef ds:uri="http://www.w3.org/XML/1998/namespace"/>
-    <ds:schemaRef ds:uri="http://purl.org/dc/dcmitype/"/>
-  </ds:schemaRefs>
-</ds:datastoreItem>
+<file path=customXml/item3.xml><?xml version="1.0" encoding="utf-8"?>
+<?mso-contentType ?>
+<FormTemplates xmlns="http://schemas.microsoft.com/sharepoint/v3/contenttype/forms">
+  <Display>DocumentLibraryForm</Display>
+  <Edit>DocumentLibraryForm</Edit>
+  <New>DocumentLibraryForm</New>
+</FormTemplates>
 </file>
 
-<file path=customXml/itemProps3.xml><?xml version="1.0" encoding="utf-8"?>
+<file path=customXml/itemProps1.xml><?xml version="1.0" encoding="utf-8"?>
 <ds:datastoreItem xmlns:ds="http://schemas.openxmlformats.org/officeDocument/2006/customXml" ds:itemID="{C5A1A0B1-1575-4000-BA64-916766809361}">
   <ds:schemaRefs>
     <ds:schemaRef ds:uri="http://schemas.microsoft.com/office/2006/metadata/contentType"/>
@@ -6603,4 +7022,28 @@
     <ds:schemaRef ds:uri="http://schemas.microsoft.com/internal/obd"/>
   </ds:schemaRefs>
 </ds:datastoreItem>
+</file>
+
+<file path=customXml/itemProps2.xml><?xml version="1.0" encoding="utf-8"?>
+<ds:datastoreItem xmlns:ds="http://schemas.openxmlformats.org/officeDocument/2006/customXml" ds:itemID="{8E1455B4-EFFE-4AEE-ADC2-FE51D16F6234}">
+  <ds:schemaRefs>
+    <ds:schemaRef ds:uri="9a324a02-be43-499b-8089-7896e70993e7"/>
+    <ds:schemaRef ds:uri="http://purl.org/dc/elements/1.1/"/>
+    <ds:schemaRef ds:uri="http://schemas.microsoft.com/office/2006/metadata/properties"/>
+    <ds:schemaRef ds:uri="http://purl.org/dc/terms/"/>
+    <ds:schemaRef ds:uri="http://schemas.openxmlformats.org/package/2006/metadata/core-properties"/>
+    <ds:schemaRef ds:uri="http://purl.org/dc/dcmitype/"/>
+    <ds:schemaRef ds:uri="http://schemas.microsoft.com/office/2006/documentManagement/types"/>
+    <ds:schemaRef ds:uri="http://schemas.microsoft.com/office/infopath/2007/PartnerControls"/>
+    <ds:schemaRef ds:uri="http://www.w3.org/XML/1998/namespace"/>
+  </ds:schemaRefs>
+</ds:datastoreItem>
+</file>
+
+<file path=customXml/itemProps3.xml><?xml version="1.0" encoding="utf-8"?>
+<ds:datastoreItem xmlns:ds="http://schemas.openxmlformats.org/officeDocument/2006/customXml" ds:itemID="{166AD069-051C-46FD-A0CD-BDE143FEA57D}">
+  <ds:schemaRefs>
+    <ds:schemaRef ds:uri="http://schemas.microsoft.com/sharepoint/v3/contenttype/forms"/>
+  </ds:schemaRefs>
+</ds:datastoreItem>
 </file>
--- a/presentation/Helpdesk/Pintér Dávid/david_pinter_presentation.pptx
+++ b/presentation/Helpdesk/Pintér Dávid/david_pinter_presentation.pptx
@@ -4871,47 +4871,6 @@
       </p:sp>
       <p:pic>
         <p:nvPicPr>
-          <p:cNvPr id="2050" name="Picture 2" descr="https://i.ytimg.com/vi/9PbZfWPUdiU/maxresdefault.jpg"/>
-          <p:cNvPicPr>
-            <a:picLocks noChangeAspect="1" noChangeArrowheads="1"/>
-          </p:cNvPicPr>
-          <p:nvPr/>
-        </p:nvPicPr>
-        <p:blipFill>
-          <a:blip r:embed="rId3" cstate="print">
-            <a:extLst>
-              <a:ext uri="{28A0092B-C50C-407E-A947-70E740481C1C}">
-                <a14:useLocalDpi xmlns:a14="http://schemas.microsoft.com/office/drawing/2010/main" val="0"/>
-              </a:ext>
-            </a:extLst>
-          </a:blip>
-          <a:srcRect/>
-          <a:stretch>
-            <a:fillRect/>
-          </a:stretch>
-        </p:blipFill>
-        <p:spPr bwMode="auto">
-          <a:xfrm>
-            <a:off x="4895880" y="2662405"/>
-            <a:ext cx="2150535" cy="1209676"/>
-          </a:xfrm>
-          <a:prstGeom prst="rect">
-            <a:avLst/>
-          </a:prstGeom>
-          <a:noFill/>
-          <a:extLst>
-            <a:ext uri="{909E8E84-426E-40DD-AFC4-6F175D3DCCD1}">
-              <a14:hiddenFill xmlns:a14="http://schemas.microsoft.com/office/drawing/2010/main">
-                <a:solidFill>
-                  <a:srgbClr val="FFFFFF"/>
-                </a:solidFill>
-              </a14:hiddenFill>
-            </a:ext>
-          </a:extLst>
-        </p:spPr>
-      </p:pic>
-      <p:pic>
-        <p:nvPicPr>
           <p:cNvPr id="2052" name="Picture 4" descr="http://1.bp.blogspot.com/-rRb-EptXVvM/Uu5yWvG-WwI/AAAAAAAAC8E/C73iIykO0mw/s1600/ejb-mini-logo.png"/>
           <p:cNvPicPr>
             <a:picLocks noChangeAspect="1" noChangeArrowheads="1"/>
@@ -4919,7 +4878,7 @@
           <p:nvPr/>
         </p:nvPicPr>
         <p:blipFill>
-          <a:blip r:embed="rId4">
+          <a:blip r:embed="rId3">
             <a:extLst>
               <a:ext uri="{28A0092B-C50C-407E-A947-70E740481C1C}">
                 <a14:useLocalDpi xmlns:a14="http://schemas.microsoft.com/office/drawing/2010/main" val="0"/>
@@ -5094,7 +5053,7 @@
         <p:spPr>
           <a:xfrm>
             <a:off x="484220" y="1598867"/>
-            <a:ext cx="4559494" cy="2031325"/>
+            <a:ext cx="4559494" cy="2554545"/>
           </a:xfrm>
           <a:prstGeom prst="rect">
             <a:avLst/>
@@ -5138,6 +5097,19 @@
             <a:r>
               <a:rPr lang="hu-HU" sz="2400" dirty="0"/>
               <a:t>REST API implementálása</a:t>
+            </a:r>
+          </a:p>
+          <a:p>
+            <a:pPr marL="800100" lvl="1" indent="-342900">
+              <a:spcBef>
+                <a:spcPts val="1200"/>
+              </a:spcBef>
+              <a:buFont typeface="Wingdings" panose="05000000000000000000" pitchFamily="2" charset="2"/>
+              <a:buChar char="§"/>
+            </a:pPr>
+            <a:r>
+              <a:rPr lang="hu-HU" sz="2400" dirty="0"/>
+              <a:t>Tesztelés Postmannel</a:t>
             </a:r>
           </a:p>
           <a:p>
@@ -5513,7 +5485,7 @@
         <p:spPr>
           <a:xfrm>
             <a:off x="238898" y="1670087"/>
-            <a:ext cx="5349102" cy="3293209"/>
+            <a:ext cx="6113041" cy="3293209"/>
           </a:xfrm>
           <a:prstGeom prst="rect">
             <a:avLst/>
@@ -5582,7 +5554,7 @@
             </a:pPr>
             <a:r>
               <a:rPr lang="hu-HU" sz="2400" dirty="0"/>
-              <a:t>elrontotta az egész projektet</a:t>
+              <a:t>Először nem működött az adatbázissal</a:t>
             </a:r>
           </a:p>
           <a:p>
@@ -5610,12 +5582,8 @@
               <a:t>provider</a:t>
             </a:r>
             <a:r>
-              <a:rPr lang="hu-HU" sz="2400"/>
-              <a:t> konfiguráció </a:t>
-            </a:r>
-            <a:r>
               <a:rPr lang="hu-HU" sz="2400" dirty="0"/>
-              <a:t>írása dátumok </a:t>
+              <a:t> konfiguráció írása dátumok </a:t>
             </a:r>
             <a:r>
               <a:rPr lang="hu-HU" sz="2400" dirty="0" err="1"/>
@@ -5646,6 +5614,47 @@
           </a:p>
         </p:txBody>
       </p:sp>
+      <p:pic>
+        <p:nvPicPr>
+          <p:cNvPr id="6" name="Picture 2" descr="https://i.ytimg.com/vi/9PbZfWPUdiU/maxresdefault.jpg"/>
+          <p:cNvPicPr>
+            <a:picLocks noChangeAspect="1" noChangeArrowheads="1"/>
+          </p:cNvPicPr>
+          <p:nvPr/>
+        </p:nvPicPr>
+        <p:blipFill>
+          <a:blip r:embed="rId3" cstate="print">
+            <a:extLst>
+              <a:ext uri="{28A0092B-C50C-407E-A947-70E740481C1C}">
+                <a14:useLocalDpi xmlns:a14="http://schemas.microsoft.com/office/drawing/2010/main" val="0"/>
+              </a:ext>
+            </a:extLst>
+          </a:blip>
+          <a:srcRect/>
+          <a:stretch>
+            <a:fillRect/>
+          </a:stretch>
+        </p:blipFill>
+        <p:spPr bwMode="auto">
+          <a:xfrm>
+            <a:off x="4797711" y="1213996"/>
+            <a:ext cx="2150535" cy="1209676"/>
+          </a:xfrm>
+          <a:prstGeom prst="rect">
+            <a:avLst/>
+          </a:prstGeom>
+          <a:noFill/>
+          <a:extLst>
+            <a:ext uri="{909E8E84-426E-40DD-AFC4-6F175D3DCCD1}">
+              <a14:hiddenFill xmlns:a14="http://schemas.microsoft.com/office/drawing/2010/main">
+                <a:solidFill>
+                  <a:srgbClr val="FFFFFF"/>
+                </a:solidFill>
+              </a14:hiddenFill>
+            </a:ext>
+          </a:extLst>
+        </p:spPr>
+      </p:pic>
     </p:spTree>
     <p:extLst>
       <p:ext uri="{BB962C8B-B14F-4D97-AF65-F5344CB8AC3E}">
@@ -6992,18 +7001,18 @@
 </file>
 
 <file path=customXml/item2.xml><?xml version="1.0" encoding="utf-8"?>
-<p:properties xmlns:p="http://schemas.microsoft.com/office/2006/metadata/properties" xmlns:xsi="http://www.w3.org/2001/XMLSchema-instance" xmlns:pc="http://schemas.microsoft.com/office/infopath/2007/PartnerControls">
-  <documentManagement/>
-</p:properties>
-</file>
-
-<file path=customXml/item3.xml><?xml version="1.0" encoding="utf-8"?>
 <?mso-contentType ?>
 <FormTemplates xmlns="http://schemas.microsoft.com/sharepoint/v3/contenttype/forms">
   <Display>DocumentLibraryForm</Display>
   <Edit>DocumentLibraryForm</Edit>
   <New>DocumentLibraryForm</New>
 </FormTemplates>
+</file>
+
+<file path=customXml/item3.xml><?xml version="1.0" encoding="utf-8"?>
+<p:properties xmlns:p="http://schemas.microsoft.com/office/2006/metadata/properties" xmlns:xsi="http://www.w3.org/2001/XMLSchema-instance" xmlns:pc="http://schemas.microsoft.com/office/infopath/2007/PartnerControls">
+  <documentManagement/>
+</p:properties>
 </file>
 
 <file path=customXml/itemProps1.xml><?xml version="1.0" encoding="utf-8"?>
@@ -7025,6 +7034,14 @@
 </file>
 
 <file path=customXml/itemProps2.xml><?xml version="1.0" encoding="utf-8"?>
+<ds:datastoreItem xmlns:ds="http://schemas.openxmlformats.org/officeDocument/2006/customXml" ds:itemID="{166AD069-051C-46FD-A0CD-BDE143FEA57D}">
+  <ds:schemaRefs>
+    <ds:schemaRef ds:uri="http://schemas.microsoft.com/sharepoint/v3/contenttype/forms"/>
+  </ds:schemaRefs>
+</ds:datastoreItem>
+</file>
+
+<file path=customXml/itemProps3.xml><?xml version="1.0" encoding="utf-8"?>
 <ds:datastoreItem xmlns:ds="http://schemas.openxmlformats.org/officeDocument/2006/customXml" ds:itemID="{8E1455B4-EFFE-4AEE-ADC2-FE51D16F6234}">
   <ds:schemaRefs>
     <ds:schemaRef ds:uri="9a324a02-be43-499b-8089-7896e70993e7"/>
@@ -7038,12 +7055,4 @@
     <ds:schemaRef ds:uri="http://www.w3.org/XML/1998/namespace"/>
   </ds:schemaRefs>
 </ds:datastoreItem>
-</file>
-
-<file path=customXml/itemProps3.xml><?xml version="1.0" encoding="utf-8"?>
-<ds:datastoreItem xmlns:ds="http://schemas.openxmlformats.org/officeDocument/2006/customXml" ds:itemID="{166AD069-051C-46FD-A0CD-BDE143FEA57D}">
-  <ds:schemaRefs>
-    <ds:schemaRef ds:uri="http://schemas.microsoft.com/sharepoint/v3/contenttype/forms"/>
-  </ds:schemaRefs>
-</ds:datastoreItem>
 </file>
--- a/presentation/Helpdesk/Pintér Dávid/david_pinter_presentation.pptx
+++ b/presentation/Helpdesk/Pintér Dávid/david_pinter_presentation.pptx
@@ -5,7 +5,7 @@
     <p:sldMasterId id="2147483660" r:id="rId4"/>
   </p:sldMasterIdLst>
   <p:notesMasterIdLst>
-    <p:notesMasterId r:id="rId13"/>
+    <p:notesMasterId r:id="rId12"/>
   </p:notesMasterIdLst>
   <p:sldIdLst>
     <p:sldId id="268" r:id="rId5"/>
@@ -13,9 +13,8 @@
     <p:sldId id="270" r:id="rId7"/>
     <p:sldId id="275" r:id="rId8"/>
     <p:sldId id="271" r:id="rId9"/>
-    <p:sldId id="276" r:id="rId10"/>
-    <p:sldId id="272" r:id="rId11"/>
-    <p:sldId id="258" r:id="rId12"/>
+    <p:sldId id="272" r:id="rId10"/>
+    <p:sldId id="258" r:id="rId11"/>
   </p:sldIdLst>
   <p:sldSz cx="9144000" cy="5143500" type="screen16x9"/>
   <p:notesSz cx="6858000" cy="9144000"/>
@@ -236,7 +235,7 @@
             <a:fld id="{108E5D05-7368-4B91-AD81-999E65E8BFFE}" type="datetimeFigureOut">
               <a:rPr lang="hu-HU" smtClean="0"/>
               <a:pPr/>
-              <a:t>2017.03.03.</a:t>
+              <a:t>2017.03.05.</a:t>
             </a:fld>
             <a:endParaRPr lang="hu-HU"/>
           </a:p>
@@ -711,7 +710,19 @@
           </a:bodyPr>
           <a:lstStyle/>
           <a:p>
+            <a:r>
+              <a:rPr lang="hu-HU" baseline="0" dirty="0"/>
+              <a:t>KEVÉS ISMERT TECHNOLÓGIA</a:t>
+            </a:r>
+          </a:p>
+          <a:p>
             <a:endParaRPr lang="hu-HU" baseline="0" dirty="0"/>
+          </a:p>
+          <a:p>
+            <a:r>
+              <a:rPr lang="hu-HU" baseline="0" dirty="0"/>
+              <a:t>-&gt; Egy jó fejlesztőnek ismernie kell a webet!(ELV)</a:t>
+            </a:r>
           </a:p>
         </p:txBody>
       </p:sp>
@@ -798,7 +809,38 @@
           </a:bodyPr>
           <a:lstStyle/>
           <a:p>
-            <a:endParaRPr lang="hu-HU" baseline="0" dirty="0"/>
+            <a:r>
+              <a:rPr lang="hu-HU" baseline="0" dirty="0"/>
+              <a:t>Projekt váz:</a:t>
+            </a:r>
+          </a:p>
+          <a:p>
+            <a:r>
+              <a:rPr lang="hu-HU" baseline="0" dirty="0"/>
+              <a:t>MÉLY VÍZ, KÜLÖNBÖZŐ TECHNOLÓGIÁK, TEST ENTITY</a:t>
+            </a:r>
+          </a:p>
+          <a:p>
+            <a:r>
+              <a:rPr lang="hu-HU" baseline="0" dirty="0" err="1"/>
+              <a:t>Admin</a:t>
+            </a:r>
+            <a:r>
+              <a:rPr lang="hu-HU" baseline="0" dirty="0"/>
+              <a:t> team:</a:t>
+            </a:r>
+          </a:p>
+          <a:p>
+            <a:r>
+              <a:rPr lang="hu-HU" baseline="0" dirty="0"/>
+              <a:t>TOMI, SPRING SECU -&gt; ADMIN SECU(KIHÍVÁS)</a:t>
+            </a:r>
+          </a:p>
+          <a:p>
+            <a:r>
+              <a:rPr lang="hu-HU" baseline="0" dirty="0"/>
+              <a:t>GERI, SANYI</a:t>
+            </a:r>
           </a:p>
         </p:txBody>
       </p:sp>
@@ -885,7 +927,22 @@
           </a:bodyPr>
           <a:lstStyle/>
           <a:p>
-            <a:endParaRPr lang="hu-HU" baseline="0" dirty="0"/>
+            <a:r>
+              <a:rPr lang="hu-HU" baseline="0" dirty="0"/>
+              <a:t>ÁRON, MEGÁLLAPODÁS</a:t>
+            </a:r>
+          </a:p>
+          <a:p>
+            <a:r>
+              <a:rPr lang="hu-HU" baseline="0" dirty="0"/>
+              <a:t>BOOTSTRAP VS PF(KIHÍVÁS)</a:t>
+            </a:r>
+          </a:p>
+          <a:p>
+            <a:r>
+              <a:rPr lang="hu-HU" baseline="0" dirty="0"/>
+              <a:t>CROSS-ORIGIN REQUESTEK(KIHÍVÁS) </a:t>
+            </a:r>
           </a:p>
         </p:txBody>
       </p:sp>
@@ -995,93 +1052,6 @@
               <a:rPr lang="hu-HU" smtClean="0"/>
               <a:pPr/>
               <a:t>6</a:t>
-            </a:fld>
-            <a:endParaRPr lang="hu-HU"/>
-          </a:p>
-        </p:txBody>
-      </p:sp>
-    </p:spTree>
-    <p:extLst>
-      <p:ext uri="{BB962C8B-B14F-4D97-AF65-F5344CB8AC3E}">
-        <p14:creationId xmlns:p14="http://schemas.microsoft.com/office/powerpoint/2010/main" val="3190871788"/>
-      </p:ext>
-    </p:extLst>
-  </p:cSld>
-  <p:clrMapOvr>
-    <a:masterClrMapping/>
-  </p:clrMapOvr>
-</p:notes>
-</file>
-
-<file path=ppt/notesSlides/notesSlide7.xml><?xml version="1.0" encoding="utf-8"?>
-<p:notes xmlns:a="http://schemas.openxmlformats.org/drawingml/2006/main" xmlns:r="http://schemas.openxmlformats.org/officeDocument/2006/relationships" xmlns:p="http://schemas.openxmlformats.org/presentationml/2006/main">
-  <p:cSld>
-    <p:spTree>
-      <p:nvGrpSpPr>
-        <p:cNvPr id="1" name=""/>
-        <p:cNvGrpSpPr/>
-        <p:nvPr/>
-      </p:nvGrpSpPr>
-      <p:grpSpPr>
-        <a:xfrm>
-          <a:off x="0" y="0"/>
-          <a:ext cx="0" cy="0"/>
-          <a:chOff x="0" y="0"/>
-          <a:chExt cx="0" cy="0"/>
-        </a:xfrm>
-      </p:grpSpPr>
-      <p:sp>
-        <p:nvSpPr>
-          <p:cNvPr id="2" name="Diakép helye 1"/>
-          <p:cNvSpPr>
-            <a:spLocks noGrp="1" noRot="1" noChangeAspect="1"/>
-          </p:cNvSpPr>
-          <p:nvPr>
-            <p:ph type="sldImg"/>
-          </p:nvPr>
-        </p:nvSpPr>
-        <p:spPr/>
-      </p:sp>
-      <p:sp>
-        <p:nvSpPr>
-          <p:cNvPr id="3" name="Jegyzetek helye 2"/>
-          <p:cNvSpPr>
-            <a:spLocks noGrp="1"/>
-          </p:cNvSpPr>
-          <p:nvPr>
-            <p:ph type="body" idx="1"/>
-          </p:nvPr>
-        </p:nvSpPr>
-        <p:spPr/>
-        <p:txBody>
-          <a:bodyPr>
-            <a:normAutofit/>
-          </a:bodyPr>
-          <a:lstStyle/>
-          <a:p>
-            <a:endParaRPr lang="hu-HU" baseline="0" dirty="0"/>
-          </a:p>
-        </p:txBody>
-      </p:sp>
-      <p:sp>
-        <p:nvSpPr>
-          <p:cNvPr id="4" name="Dia számának helye 3"/>
-          <p:cNvSpPr>
-            <a:spLocks noGrp="1"/>
-          </p:cNvSpPr>
-          <p:nvPr>
-            <p:ph type="sldNum" sz="quarter" idx="10"/>
-          </p:nvPr>
-        </p:nvSpPr>
-        <p:spPr/>
-        <p:txBody>
-          <a:bodyPr/>
-          <a:lstStyle/>
-          <a:p>
-            <a:fld id="{37F5BA7A-53FA-4B64-BA9D-1AFB6F476CB1}" type="slidenum">
-              <a:rPr lang="hu-HU" smtClean="0"/>
-              <a:pPr/>
-              <a:t>7</a:t>
             </a:fld>
             <a:endParaRPr lang="hu-HU"/>
           </a:p>
@@ -1232,7 +1202,7 @@
             <a:fld id="{C6E8B002-83F0-41C5-A7B7-2819A96BD9B2}" type="datetimeFigureOut">
               <a:rPr lang="hu-HU" smtClean="0"/>
               <a:pPr/>
-              <a:t>2017.03.03.</a:t>
+              <a:t>2017.03.05.</a:t>
             </a:fld>
             <a:endParaRPr lang="hu-HU"/>
           </a:p>
@@ -1404,7 +1374,7 @@
             <a:fld id="{C6E8B002-83F0-41C5-A7B7-2819A96BD9B2}" type="datetimeFigureOut">
               <a:rPr lang="hu-HU" smtClean="0"/>
               <a:pPr/>
-              <a:t>2017.03.03.</a:t>
+              <a:t>2017.03.05.</a:t>
             </a:fld>
             <a:endParaRPr lang="hu-HU"/>
           </a:p>
@@ -1586,7 +1556,7 @@
             <a:fld id="{C6E8B002-83F0-41C5-A7B7-2819A96BD9B2}" type="datetimeFigureOut">
               <a:rPr lang="hu-HU" smtClean="0"/>
               <a:pPr/>
-              <a:t>2017.03.03.</a:t>
+              <a:t>2017.03.05.</a:t>
             </a:fld>
             <a:endParaRPr lang="hu-HU"/>
           </a:p>
@@ -1758,7 +1728,7 @@
             <a:fld id="{C6E8B002-83F0-41C5-A7B7-2819A96BD9B2}" type="datetimeFigureOut">
               <a:rPr lang="hu-HU" smtClean="0"/>
               <a:pPr/>
-              <a:t>2017.03.03.</a:t>
+              <a:t>2017.03.05.</a:t>
             </a:fld>
             <a:endParaRPr lang="hu-HU"/>
           </a:p>
@@ -2004,7 +1974,7 @@
             <a:fld id="{C6E8B002-83F0-41C5-A7B7-2819A96BD9B2}" type="datetimeFigureOut">
               <a:rPr lang="hu-HU" smtClean="0"/>
               <a:pPr/>
-              <a:t>2017.03.03.</a:t>
+              <a:t>2017.03.05.</a:t>
             </a:fld>
             <a:endParaRPr lang="hu-HU"/>
           </a:p>
@@ -2238,7 +2208,7 @@
             <a:fld id="{C6E8B002-83F0-41C5-A7B7-2819A96BD9B2}" type="datetimeFigureOut">
               <a:rPr lang="hu-HU" smtClean="0"/>
               <a:pPr/>
-              <a:t>2017.03.03.</a:t>
+              <a:t>2017.03.05.</a:t>
             </a:fld>
             <a:endParaRPr lang="hu-HU"/>
           </a:p>
@@ -2607,7 +2577,7 @@
             <a:fld id="{C6E8B002-83F0-41C5-A7B7-2819A96BD9B2}" type="datetimeFigureOut">
               <a:rPr lang="hu-HU" smtClean="0"/>
               <a:pPr/>
-              <a:t>2017.03.03.</a:t>
+              <a:t>2017.03.05.</a:t>
             </a:fld>
             <a:endParaRPr lang="hu-HU"/>
           </a:p>
@@ -2727,7 +2697,7 @@
             <a:fld id="{C6E8B002-83F0-41C5-A7B7-2819A96BD9B2}" type="datetimeFigureOut">
               <a:rPr lang="hu-HU" smtClean="0"/>
               <a:pPr/>
-              <a:t>2017.03.03.</a:t>
+              <a:t>2017.03.05.</a:t>
             </a:fld>
             <a:endParaRPr lang="hu-HU"/>
           </a:p>
@@ -2824,7 +2794,7 @@
             <a:fld id="{C6E8B002-83F0-41C5-A7B7-2819A96BD9B2}" type="datetimeFigureOut">
               <a:rPr lang="hu-HU" smtClean="0"/>
               <a:pPr/>
-              <a:t>2017.03.03.</a:t>
+              <a:t>2017.03.05.</a:t>
             </a:fld>
             <a:endParaRPr lang="hu-HU"/>
           </a:p>
@@ -3103,7 +3073,7 @@
             <a:fld id="{C6E8B002-83F0-41C5-A7B7-2819A96BD9B2}" type="datetimeFigureOut">
               <a:rPr lang="hu-HU" smtClean="0"/>
               <a:pPr/>
-              <a:t>2017.03.03.</a:t>
+              <a:t>2017.03.05.</a:t>
             </a:fld>
             <a:endParaRPr lang="hu-HU"/>
           </a:p>
@@ -3362,7 +3332,7 @@
             <a:fld id="{C6E8B002-83F0-41C5-A7B7-2819A96BD9B2}" type="datetimeFigureOut">
               <a:rPr lang="hu-HU" smtClean="0"/>
               <a:pPr/>
-              <a:t>2017.03.03.</a:t>
+              <a:t>2017.03.05.</a:t>
             </a:fld>
             <a:endParaRPr lang="hu-HU"/>
           </a:p>
@@ -3584,7 +3554,7 @@
             <a:fld id="{C6E8B002-83F0-41C5-A7B7-2819A96BD9B2}" type="datetimeFigureOut">
               <a:rPr lang="hu-HU" smtClean="0"/>
               <a:pPr/>
-              <a:t>2017.03.03.</a:t>
+              <a:t>2017.03.05.</a:t>
             </a:fld>
             <a:endParaRPr lang="hu-HU"/>
           </a:p>
@@ -4083,47 +4053,17 @@
       </p:grpSpPr>
       <p:sp>
         <p:nvSpPr>
-          <p:cNvPr id="2" name="Cím 1"/>
-          <p:cNvSpPr>
-            <a:spLocks noGrp="1"/>
-          </p:cNvSpPr>
-          <p:nvPr>
-            <p:ph type="ctrTitle"/>
+          <p:cNvPr id="3" name="Alcím 2"/>
+          <p:cNvSpPr>
+            <a:spLocks noGrp="1"/>
+          </p:cNvSpPr>
+          <p:nvPr>
+            <p:ph type="subTitle" idx="1"/>
           </p:nvPr>
         </p:nvSpPr>
         <p:spPr>
           <a:xfrm>
-            <a:off x="7521394" y="67963"/>
-            <a:ext cx="1548465" cy="447603"/>
-          </a:xfrm>
-        </p:spPr>
-        <p:txBody>
-          <a:bodyPr>
-            <a:normAutofit/>
-          </a:bodyPr>
-          <a:lstStyle/>
-          <a:p>
-            <a:r>
-              <a:rPr lang="hu-HU" sz="1800" dirty="0" err="1"/>
-              <a:t>Helpdesk</a:t>
-            </a:r>
-            <a:endParaRPr lang="hu-HU" sz="1800" dirty="0"/>
-          </a:p>
-        </p:txBody>
-      </p:sp>
-      <p:sp>
-        <p:nvSpPr>
-          <p:cNvPr id="3" name="Alcím 2"/>
-          <p:cNvSpPr>
-            <a:spLocks noGrp="1"/>
-          </p:cNvSpPr>
-          <p:nvPr>
-            <p:ph type="subTitle" idx="1"/>
-          </p:nvPr>
-        </p:nvSpPr>
-        <p:spPr>
-          <a:xfrm>
-            <a:off x="484221" y="2301833"/>
+            <a:off x="1111915" y="2209554"/>
             <a:ext cx="3814688" cy="434696"/>
           </a:xfrm>
         </p:spPr>
@@ -4275,6 +4215,85 @@
               <a:defRPr/>
             </a:pPr>
             <a:endParaRPr lang="hu-HU" sz="2400" baseline="0" dirty="0"/>
+          </a:p>
+        </p:txBody>
+      </p:sp>
+      <p:pic>
+        <p:nvPicPr>
+          <p:cNvPr id="6" name="Kép 5"/>
+          <p:cNvPicPr>
+            <a:picLocks noChangeAspect="1"/>
+          </p:cNvPicPr>
+          <p:nvPr/>
+        </p:nvPicPr>
+        <p:blipFill>
+          <a:blip r:embed="rId3" cstate="print">
+            <a:extLst>
+              <a:ext uri="{28A0092B-C50C-407E-A947-70E740481C1C}">
+                <a14:useLocalDpi xmlns:a14="http://schemas.microsoft.com/office/drawing/2010/main" val="0"/>
+              </a:ext>
+            </a:extLst>
+          </a:blip>
+          <a:stretch>
+            <a:fillRect/>
+          </a:stretch>
+        </p:blipFill>
+        <p:spPr>
+          <a:xfrm>
+            <a:off x="5245527" y="1280462"/>
+            <a:ext cx="2824681" cy="3353971"/>
+          </a:xfrm>
+          <a:prstGeom prst="rect">
+            <a:avLst/>
+          </a:prstGeom>
+        </p:spPr>
+      </p:pic>
+      <p:sp>
+        <p:nvSpPr>
+          <p:cNvPr id="8" name="Cím 1"/>
+          <p:cNvSpPr txBox="1">
+            <a:spLocks/>
+          </p:cNvSpPr>
+          <p:nvPr/>
+        </p:nvSpPr>
+        <p:spPr>
+          <a:xfrm rot="20305361">
+            <a:off x="7446477" y="153351"/>
+            <a:ext cx="1548465" cy="417968"/>
+          </a:xfrm>
+          <a:prstGeom prst="rect">
+            <a:avLst/>
+          </a:prstGeom>
+        </p:spPr>
+        <p:txBody>
+          <a:bodyPr vert="horz" lIns="91440" tIns="45720" rIns="91440" bIns="45720" rtlCol="0" anchor="b">
+            <a:normAutofit/>
+          </a:bodyPr>
+          <a:lstStyle>
+            <a:lvl1pPr algn="ctr" defTabSz="914400" rtl="0" eaLnBrk="1" latinLnBrk="0" hangingPunct="1">
+              <a:lnSpc>
+                <a:spcPct val="90000"/>
+              </a:lnSpc>
+              <a:spcBef>
+                <a:spcPct val="0"/>
+              </a:spcBef>
+              <a:buNone/>
+              <a:defRPr sz="6000" kern="1200">
+                <a:solidFill>
+                  <a:schemeClr val="tx1"/>
+                </a:solidFill>
+                <a:latin typeface="+mj-lt"/>
+                <a:ea typeface="+mj-ea"/>
+                <a:cs typeface="+mj-cs"/>
+              </a:defRPr>
+            </a:lvl1pPr>
+          </a:lstStyle>
+          <a:p>
+            <a:r>
+              <a:rPr lang="hu-HU" sz="1800"/>
+              <a:t>Helpdesk</a:t>
+            </a:r>
+            <a:endParaRPr lang="hu-HU" sz="1800" dirty="0"/>
           </a:p>
         </p:txBody>
       </p:sp>
@@ -4308,36 +4327,47 @@
           <a:chExt cx="0" cy="0"/>
         </a:xfrm>
       </p:grpSpPr>
-      <p:sp>
-        <p:nvSpPr>
-          <p:cNvPr id="2" name="Cím 1"/>
-          <p:cNvSpPr>
-            <a:spLocks noGrp="1"/>
-          </p:cNvSpPr>
-          <p:nvPr>
-            <p:ph type="ctrTitle"/>
-          </p:nvPr>
-        </p:nvSpPr>
-        <p:spPr>
+      <p:pic>
+        <p:nvPicPr>
+          <p:cNvPr id="3074" name="Picture 2" descr="https://s-media-cache-ak0.pinimg.com/originals/3a/45/0f/3a450ff6836a61537a43d714413cc749.jpg"/>
+          <p:cNvPicPr>
+            <a:picLocks noChangeAspect="1" noChangeArrowheads="1"/>
+          </p:cNvPicPr>
+          <p:nvPr/>
+        </p:nvPicPr>
+        <p:blipFill>
+          <a:blip r:embed="rId3">
+            <a:extLst>
+              <a:ext uri="{28A0092B-C50C-407E-A947-70E740481C1C}">
+                <a14:useLocalDpi xmlns:a14="http://schemas.microsoft.com/office/drawing/2010/main" val="0"/>
+              </a:ext>
+            </a:extLst>
+          </a:blip>
+          <a:srcRect/>
+          <a:stretch>
+            <a:fillRect/>
+          </a:stretch>
+        </p:blipFill>
+        <p:spPr bwMode="auto">
           <a:xfrm>
-            <a:off x="7521394" y="67963"/>
-            <a:ext cx="1548465" cy="447603"/>
+            <a:off x="4926553" y="1372208"/>
+            <a:ext cx="4217447" cy="2821501"/>
           </a:xfrm>
+          <a:prstGeom prst="rect">
+            <a:avLst/>
+          </a:prstGeom>
+          <a:noFill/>
+          <a:extLst>
+            <a:ext uri="{909E8E84-426E-40DD-AFC4-6F175D3DCCD1}">
+              <a14:hiddenFill xmlns:a14="http://schemas.microsoft.com/office/drawing/2010/main">
+                <a:solidFill>
+                  <a:srgbClr val="FFFFFF"/>
+                </a:solidFill>
+              </a14:hiddenFill>
+            </a:ext>
+          </a:extLst>
         </p:spPr>
-        <p:txBody>
-          <a:bodyPr>
-            <a:normAutofit/>
-          </a:bodyPr>
-          <a:lstStyle/>
-          <a:p>
-            <a:r>
-              <a:rPr lang="hu-HU" sz="1800" dirty="0" err="1"/>
-              <a:t>Helpdesk</a:t>
-            </a:r>
-            <a:endParaRPr lang="hu-HU" sz="1800" dirty="0"/>
-          </a:p>
-        </p:txBody>
-      </p:sp>
+      </p:pic>
       <p:sp>
         <p:nvSpPr>
           <p:cNvPr id="3" name="Alcím 2"/>
@@ -4499,8 +4529,8 @@
         </p:nvSpPr>
         <p:spPr>
           <a:xfrm>
-            <a:off x="238898" y="1670087"/>
-            <a:ext cx="5349102" cy="3016210"/>
+            <a:off x="238898" y="2018729"/>
+            <a:ext cx="5349102" cy="1877437"/>
           </a:xfrm>
           <a:prstGeom prst="rect">
             <a:avLst/>
@@ -4551,25 +4581,34 @@
               <a:t>Érdekelt, hogy hogyan működik egy webalkalmazás</a:t>
             </a:r>
           </a:p>
-          <a:p>
-            <a:pPr marL="285750" indent="-285750">
-              <a:spcBef>
-                <a:spcPts val="1200"/>
-              </a:spcBef>
-              <a:buFont typeface="Arial" panose="020B0604020202020204" pitchFamily="34" charset="0"/>
-              <a:buChar char="•"/>
-            </a:pPr>
-            <a:r>
-              <a:rPr lang="hu-HU" sz="2400" dirty="0"/>
-              <a:t>Szerintem egy jó fejlesztőnek ismernie kell a webet</a:t>
-            </a:r>
-          </a:p>
-          <a:p>
-            <a:pPr marL="285750" indent="-285750">
-              <a:buFont typeface="Arial" panose="020B0604020202020204" pitchFamily="34" charset="0"/>
-              <a:buChar char="•"/>
-            </a:pPr>
-            <a:endParaRPr lang="hu-HU" sz="1600" dirty="0"/>
+        </p:txBody>
+      </p:sp>
+      <p:sp>
+        <p:nvSpPr>
+          <p:cNvPr id="8" name="Cím 1"/>
+          <p:cNvSpPr>
+            <a:spLocks noGrp="1"/>
+          </p:cNvSpPr>
+          <p:nvPr>
+            <p:ph type="ctrTitle"/>
+          </p:nvPr>
+        </p:nvSpPr>
+        <p:spPr>
+          <a:xfrm rot="20305361">
+            <a:off x="7446477" y="153351"/>
+            <a:ext cx="1548465" cy="417968"/>
+          </a:xfrm>
+        </p:spPr>
+        <p:txBody>
+          <a:bodyPr>
+            <a:normAutofit/>
+          </a:bodyPr>
+          <a:lstStyle/>
+          <a:p>
+            <a:r>
+              <a:rPr lang="hu-HU" sz="1800" dirty="0"/>
+              <a:t>Helpdesk</a:t>
+            </a:r>
           </a:p>
         </p:txBody>
       </p:sp>
@@ -4605,36 +4644,6 @@
       </p:grpSpPr>
       <p:sp>
         <p:nvSpPr>
-          <p:cNvPr id="2" name="Cím 1"/>
-          <p:cNvSpPr>
-            <a:spLocks noGrp="1"/>
-          </p:cNvSpPr>
-          <p:nvPr>
-            <p:ph type="ctrTitle"/>
-          </p:nvPr>
-        </p:nvSpPr>
-        <p:spPr>
-          <a:xfrm>
-            <a:off x="7521394" y="67963"/>
-            <a:ext cx="1548465" cy="447603"/>
-          </a:xfrm>
-        </p:spPr>
-        <p:txBody>
-          <a:bodyPr>
-            <a:normAutofit/>
-          </a:bodyPr>
-          <a:lstStyle/>
-          <a:p>
-            <a:r>
-              <a:rPr lang="hu-HU" sz="1800" dirty="0" err="1"/>
-              <a:t>Helpdesk</a:t>
-            </a:r>
-            <a:endParaRPr lang="hu-HU" sz="1800" dirty="0"/>
-          </a:p>
-        </p:txBody>
-      </p:sp>
-      <p:sp>
-        <p:nvSpPr>
           <p:cNvPr id="3" name="Alcím 2"/>
           <p:cNvSpPr>
             <a:spLocks noGrp="1"/>
@@ -4795,7 +4804,7 @@
         <p:spPr>
           <a:xfrm>
             <a:off x="484221" y="1674617"/>
-            <a:ext cx="4864293" cy="2031325"/>
+            <a:ext cx="4864293" cy="2554545"/>
           </a:xfrm>
           <a:prstGeom prst="rect">
             <a:avLst/>
@@ -4818,6 +4827,19 @@
             <a:r>
               <a:rPr lang="hu-HU" sz="2400" dirty="0"/>
               <a:t>Projekt váz megtervezése</a:t>
+            </a:r>
+          </a:p>
+          <a:p>
+            <a:pPr marL="800100" lvl="1" indent="-342900">
+              <a:spcBef>
+                <a:spcPts val="1200"/>
+              </a:spcBef>
+              <a:buFont typeface="Wingdings" panose="05000000000000000000" pitchFamily="2" charset="2"/>
+              <a:buChar char="§"/>
+            </a:pPr>
+            <a:r>
+              <a:rPr lang="hu-HU" sz="2400" dirty="0"/>
+              <a:t>Konfigurálás</a:t>
             </a:r>
           </a:p>
           <a:p>
@@ -4892,7 +4914,7 @@
         </p:blipFill>
         <p:spPr bwMode="auto">
           <a:xfrm>
-            <a:off x="7162529" y="2967010"/>
+            <a:off x="5565632" y="3114455"/>
             <a:ext cx="868715" cy="1250950"/>
           </a:xfrm>
           <a:prstGeom prst="rect">
@@ -4910,6 +4932,137 @@
           </a:extLst>
         </p:spPr>
       </p:pic>
+      <p:pic>
+        <p:nvPicPr>
+          <p:cNvPr id="1026" name="Picture 2" descr="http://cdn2.baeldung.netdna-cdn.com/wp-content/uploads/2016/05/baeldung-persistence-post-footer-icn-1.0.0.png"/>
+          <p:cNvPicPr>
+            <a:picLocks noChangeAspect="1" noChangeArrowheads="1"/>
+          </p:cNvPicPr>
+          <p:nvPr/>
+        </p:nvPicPr>
+        <p:blipFill>
+          <a:blip r:embed="rId4">
+            <a:extLst>
+              <a:ext uri="{28A0092B-C50C-407E-A947-70E740481C1C}">
+                <a14:useLocalDpi xmlns:a14="http://schemas.microsoft.com/office/drawing/2010/main" val="0"/>
+              </a:ext>
+            </a:extLst>
+          </a:blip>
+          <a:srcRect/>
+          <a:stretch>
+            <a:fillRect/>
+          </a:stretch>
+        </p:blipFill>
+        <p:spPr bwMode="auto">
+          <a:xfrm>
+            <a:off x="4910997" y="1448512"/>
+            <a:ext cx="1576081" cy="1576081"/>
+          </a:xfrm>
+          <a:prstGeom prst="rect">
+            <a:avLst/>
+          </a:prstGeom>
+          <a:noFill/>
+          <a:extLst>
+            <a:ext uri="{909E8E84-426E-40DD-AFC4-6F175D3DCCD1}">
+              <a14:hiddenFill xmlns:a14="http://schemas.microsoft.com/office/drawing/2010/main">
+                <a:solidFill>
+                  <a:srgbClr val="FFFFFF"/>
+                </a:solidFill>
+              </a14:hiddenFill>
+            </a:ext>
+          </a:extLst>
+        </p:spPr>
+      </p:pic>
+      <p:pic>
+        <p:nvPicPr>
+          <p:cNvPr id="8" name="Picture 2" descr="https://i.ytimg.com/vi/9PbZfWPUdiU/maxresdefault.jpg"/>
+          <p:cNvPicPr>
+            <a:picLocks noChangeAspect="1" noChangeArrowheads="1"/>
+          </p:cNvPicPr>
+          <p:nvPr/>
+        </p:nvPicPr>
+        <p:blipFill>
+          <a:blip r:embed="rId5" cstate="print">
+            <a:extLst>
+              <a:ext uri="{28A0092B-C50C-407E-A947-70E740481C1C}">
+                <a14:useLocalDpi xmlns:a14="http://schemas.microsoft.com/office/drawing/2010/main" val="0"/>
+              </a:ext>
+            </a:extLst>
+          </a:blip>
+          <a:srcRect/>
+          <a:stretch>
+            <a:fillRect/>
+          </a:stretch>
+        </p:blipFill>
+        <p:spPr bwMode="auto">
+          <a:xfrm>
+            <a:off x="6704196" y="2509617"/>
+            <a:ext cx="2150535" cy="1209676"/>
+          </a:xfrm>
+          <a:prstGeom prst="rect">
+            <a:avLst/>
+          </a:prstGeom>
+          <a:noFill/>
+          <a:extLst>
+            <a:ext uri="{909E8E84-426E-40DD-AFC4-6F175D3DCCD1}">
+              <a14:hiddenFill xmlns:a14="http://schemas.microsoft.com/office/drawing/2010/main">
+                <a:solidFill>
+                  <a:srgbClr val="FFFFFF"/>
+                </a:solidFill>
+              </a14:hiddenFill>
+            </a:ext>
+          </a:extLst>
+        </p:spPr>
+      </p:pic>
+      <p:sp>
+        <p:nvSpPr>
+          <p:cNvPr id="10" name="Cím 1"/>
+          <p:cNvSpPr txBox="1">
+            <a:spLocks/>
+          </p:cNvSpPr>
+          <p:nvPr/>
+        </p:nvSpPr>
+        <p:spPr>
+          <a:xfrm rot="20305361">
+            <a:off x="7446477" y="153351"/>
+            <a:ext cx="1548465" cy="417968"/>
+          </a:xfrm>
+          <a:prstGeom prst="rect">
+            <a:avLst/>
+          </a:prstGeom>
+        </p:spPr>
+        <p:txBody>
+          <a:bodyPr vert="horz" lIns="91440" tIns="45720" rIns="91440" bIns="45720" rtlCol="0" anchor="b">
+            <a:normAutofit/>
+          </a:bodyPr>
+          <a:lstStyle>
+            <a:lvl1pPr algn="ctr" defTabSz="914400" rtl="0" eaLnBrk="1" latinLnBrk="0" hangingPunct="1">
+              <a:lnSpc>
+                <a:spcPct val="90000"/>
+              </a:lnSpc>
+              <a:spcBef>
+                <a:spcPct val="0"/>
+              </a:spcBef>
+              <a:buNone/>
+              <a:defRPr sz="6000" kern="1200">
+                <a:solidFill>
+                  <a:schemeClr val="tx1"/>
+                </a:solidFill>
+                <a:latin typeface="+mj-lt"/>
+                <a:ea typeface="+mj-ea"/>
+                <a:cs typeface="+mj-cs"/>
+              </a:defRPr>
+            </a:lvl1pPr>
+          </a:lstStyle>
+          <a:p>
+            <a:r>
+              <a:rPr lang="hu-HU" sz="1800"/>
+              <a:t>Helpdesk</a:t>
+            </a:r>
+            <a:endParaRPr lang="hu-HU" sz="1800" dirty="0"/>
+          </a:p>
+        </p:txBody>
+      </p:sp>
     </p:spTree>
     <p:extLst>
       <p:ext uri="{BB962C8B-B14F-4D97-AF65-F5344CB8AC3E}">
@@ -4942,36 +5095,6 @@
       </p:grpSpPr>
       <p:sp>
         <p:nvSpPr>
-          <p:cNvPr id="2" name="Cím 1"/>
-          <p:cNvSpPr>
-            <a:spLocks noGrp="1"/>
-          </p:cNvSpPr>
-          <p:nvPr>
-            <p:ph type="ctrTitle"/>
-          </p:nvPr>
-        </p:nvSpPr>
-        <p:spPr>
-          <a:xfrm>
-            <a:off x="7521394" y="67963"/>
-            <a:ext cx="1548465" cy="447603"/>
-          </a:xfrm>
-        </p:spPr>
-        <p:txBody>
-          <a:bodyPr>
-            <a:normAutofit/>
-          </a:bodyPr>
-          <a:lstStyle/>
-          <a:p>
-            <a:r>
-              <a:rPr lang="hu-HU" sz="1800" dirty="0" err="1"/>
-              <a:t>Helpdesk</a:t>
-            </a:r>
-            <a:endParaRPr lang="hu-HU" sz="1800" dirty="0"/>
-          </a:p>
-        </p:txBody>
-      </p:sp>
-      <p:sp>
-        <p:nvSpPr>
           <p:cNvPr id="3" name="Alcím 2"/>
           <p:cNvSpPr>
             <a:spLocks noGrp="1"/>
@@ -5052,7 +5175,7 @@
         </p:nvSpPr>
         <p:spPr>
           <a:xfrm>
-            <a:off x="484220" y="1598867"/>
+            <a:off x="484221" y="1680175"/>
             <a:ext cx="4559494" cy="2554545"/>
           </a:xfrm>
           <a:prstGeom prst="rect">
@@ -5075,15 +5198,7 @@
             </a:pPr>
             <a:r>
               <a:rPr lang="hu-HU" sz="2400" dirty="0"/>
-              <a:t>Client </a:t>
-            </a:r>
-            <a:r>
-              <a:rPr lang="hu-HU" sz="2400" dirty="0" err="1"/>
-              <a:t>Activityk</a:t>
-            </a:r>
-            <a:r>
-              <a:rPr lang="hu-HU" sz="2400" dirty="0"/>
-              <a:t> kezelése</a:t>
+              <a:t>Ügyfél tevékenységek kezelése</a:t>
             </a:r>
           </a:p>
           <a:p>
@@ -5163,8 +5278,8 @@
         </p:blipFill>
         <p:spPr bwMode="auto">
           <a:xfrm>
-            <a:off x="4733305" y="1473981"/>
-            <a:ext cx="1602013" cy="1137430"/>
+            <a:off x="5556498" y="997041"/>
+            <a:ext cx="1078081" cy="765438"/>
           </a:xfrm>
           <a:prstGeom prst="rect">
             <a:avLst/>
@@ -5204,8 +5319,8 @@
         </p:blipFill>
         <p:spPr bwMode="auto">
           <a:xfrm>
-            <a:off x="6320563" y="1894151"/>
-            <a:ext cx="2401661" cy="1108459"/>
+            <a:off x="6821714" y="1390868"/>
+            <a:ext cx="2008659" cy="927073"/>
           </a:xfrm>
           <a:prstGeom prst="rect">
             <a:avLst/>
@@ -5245,7 +5360,7 @@
         </p:blipFill>
         <p:spPr bwMode="auto">
           <a:xfrm>
-            <a:off x="4127084" y="2797847"/>
+            <a:off x="4682507" y="1946329"/>
             <a:ext cx="2208234" cy="645908"/>
           </a:xfrm>
           <a:prstGeom prst="rect">
@@ -5263,6 +5378,64 @@
           </a:extLst>
         </p:spPr>
       </p:pic>
+      <p:pic>
+        <p:nvPicPr>
+          <p:cNvPr id="11" name="Kép 10"/>
+          <p:cNvPicPr>
+            <a:picLocks noChangeAspect="1"/>
+          </p:cNvPicPr>
+          <p:nvPr/>
+        </p:nvPicPr>
+        <p:blipFill rotWithShape="1">
+          <a:blip r:embed="rId6">
+            <a:extLst>
+              <a:ext uri="{28A0092B-C50C-407E-A947-70E740481C1C}">
+                <a14:useLocalDpi xmlns:a14="http://schemas.microsoft.com/office/drawing/2010/main" val="0"/>
+              </a:ext>
+            </a:extLst>
+          </a:blip>
+          <a:srcRect t="-246" r="42309" b="54284"/>
+          <a:stretch/>
+        </p:blipFill>
+        <p:spPr>
+          <a:xfrm>
+            <a:off x="4053587" y="2555542"/>
+            <a:ext cx="5090414" cy="2364036"/>
+          </a:xfrm>
+          <a:prstGeom prst="rect">
+            <a:avLst/>
+          </a:prstGeom>
+        </p:spPr>
+      </p:pic>
+      <p:sp>
+        <p:nvSpPr>
+          <p:cNvPr id="13" name="Cím 1"/>
+          <p:cNvSpPr>
+            <a:spLocks noGrp="1"/>
+          </p:cNvSpPr>
+          <p:nvPr>
+            <p:ph type="ctrTitle"/>
+          </p:nvPr>
+        </p:nvSpPr>
+        <p:spPr>
+          <a:xfrm rot="20305361">
+            <a:off x="7446477" y="153351"/>
+            <a:ext cx="1548465" cy="417968"/>
+          </a:xfrm>
+        </p:spPr>
+        <p:txBody>
+          <a:bodyPr>
+            <a:normAutofit/>
+          </a:bodyPr>
+          <a:lstStyle/>
+          <a:p>
+            <a:r>
+              <a:rPr lang="hu-HU" sz="1800" dirty="0"/>
+              <a:t>Helpdesk</a:t>
+            </a:r>
+          </a:p>
+        </p:txBody>
+      </p:sp>
     </p:spTree>
     <p:extLst>
       <p:ext uri="{BB962C8B-B14F-4D97-AF65-F5344CB8AC3E}">
@@ -5293,428 +5466,6 @@
           <a:chExt cx="0" cy="0"/>
         </a:xfrm>
       </p:grpSpPr>
-      <p:sp>
-        <p:nvSpPr>
-          <p:cNvPr id="2" name="Cím 1"/>
-          <p:cNvSpPr>
-            <a:spLocks noGrp="1"/>
-          </p:cNvSpPr>
-          <p:nvPr>
-            <p:ph type="ctrTitle"/>
-          </p:nvPr>
-        </p:nvSpPr>
-        <p:spPr>
-          <a:xfrm>
-            <a:off x="7521394" y="67963"/>
-            <a:ext cx="1548465" cy="447603"/>
-          </a:xfrm>
-        </p:spPr>
-        <p:txBody>
-          <a:bodyPr>
-            <a:normAutofit/>
-          </a:bodyPr>
-          <a:lstStyle/>
-          <a:p>
-            <a:r>
-              <a:rPr lang="hu-HU" sz="1800" dirty="0" err="1"/>
-              <a:t>Helpdesk</a:t>
-            </a:r>
-            <a:endParaRPr lang="hu-HU" sz="1800" dirty="0"/>
-          </a:p>
-        </p:txBody>
-      </p:sp>
-      <p:sp>
-        <p:nvSpPr>
-          <p:cNvPr id="3" name="Alcím 2"/>
-          <p:cNvSpPr>
-            <a:spLocks noGrp="1"/>
-          </p:cNvSpPr>
-          <p:nvPr>
-            <p:ph type="subTitle" idx="1"/>
-          </p:nvPr>
-        </p:nvSpPr>
-        <p:spPr>
-          <a:xfrm>
-            <a:off x="238898" y="858795"/>
-            <a:ext cx="3814688" cy="434696"/>
-          </a:xfrm>
-        </p:spPr>
-        <p:txBody>
-          <a:bodyPr>
-            <a:noAutofit/>
-          </a:bodyPr>
-          <a:lstStyle/>
-          <a:p>
-            <a:r>
-              <a:rPr lang="hu-HU" sz="3200" dirty="0"/>
-              <a:t>Kihívások</a:t>
-            </a:r>
-          </a:p>
-        </p:txBody>
-      </p:sp>
-      <p:sp>
-        <p:nvSpPr>
-          <p:cNvPr id="5" name="Tartalom helye 2"/>
-          <p:cNvSpPr txBox="1">
-            <a:spLocks/>
-          </p:cNvSpPr>
-          <p:nvPr/>
-        </p:nvSpPr>
-        <p:spPr>
-          <a:xfrm>
-            <a:off x="484221" y="1459630"/>
-            <a:ext cx="5388758" cy="2995637"/>
-          </a:xfrm>
-          <a:prstGeom prst="rect">
-            <a:avLst/>
-          </a:prstGeom>
-        </p:spPr>
-        <p:txBody>
-          <a:bodyPr vert="horz" lIns="91440" tIns="45720" rIns="91440" bIns="45720" rtlCol="0">
-            <a:noAutofit/>
-          </a:bodyPr>
-          <a:lstStyle/>
-          <a:p>
-            <a:pPr marL="0" marR="0" lvl="0" indent="0" defTabSz="914400" rtl="0" eaLnBrk="1" fontAlgn="auto" latinLnBrk="0" hangingPunct="1">
-              <a:lnSpc>
-                <a:spcPct val="90000"/>
-              </a:lnSpc>
-              <a:spcBef>
-                <a:spcPts val="1000"/>
-              </a:spcBef>
-              <a:spcAft>
-                <a:spcPts val="0"/>
-              </a:spcAft>
-              <a:buClrTx/>
-              <a:buSzTx/>
-              <a:buFont typeface="Arial" pitchFamily="34" charset="0"/>
-              <a:buChar char="•"/>
-              <a:tabLst/>
-              <a:defRPr/>
-            </a:pPr>
-            <a:endParaRPr lang="hu-HU" sz="2400" dirty="0"/>
-          </a:p>
-          <a:p>
-            <a:pPr marL="0" marR="0" lvl="0" indent="0" defTabSz="914400" rtl="0" eaLnBrk="1" fontAlgn="auto" latinLnBrk="0" hangingPunct="1">
-              <a:lnSpc>
-                <a:spcPct val="90000"/>
-              </a:lnSpc>
-              <a:spcBef>
-                <a:spcPts val="1000"/>
-              </a:spcBef>
-              <a:spcAft>
-                <a:spcPts val="0"/>
-              </a:spcAft>
-              <a:buClrTx/>
-              <a:buSzTx/>
-              <a:buFont typeface="Arial" pitchFamily="34" charset="0"/>
-              <a:buChar char="•"/>
-              <a:tabLst/>
-              <a:defRPr/>
-            </a:pPr>
-            <a:endParaRPr lang="hu-HU" sz="2400" dirty="0"/>
-          </a:p>
-          <a:p>
-            <a:pPr marL="0" marR="0" lvl="0" indent="0" defTabSz="914400" rtl="0" eaLnBrk="1" fontAlgn="auto" latinLnBrk="0" hangingPunct="1">
-              <a:lnSpc>
-                <a:spcPct val="90000"/>
-              </a:lnSpc>
-              <a:spcBef>
-                <a:spcPts val="1000"/>
-              </a:spcBef>
-              <a:spcAft>
-                <a:spcPts val="0"/>
-              </a:spcAft>
-              <a:buClrTx/>
-              <a:buSzTx/>
-              <a:buFont typeface="Arial" pitchFamily="34" charset="0"/>
-              <a:buChar char="•"/>
-              <a:tabLst/>
-              <a:defRPr/>
-            </a:pPr>
-            <a:endParaRPr lang="hu-HU" sz="2400" dirty="0"/>
-          </a:p>
-          <a:p>
-            <a:pPr marL="0" marR="0" lvl="0" indent="0" defTabSz="914400" rtl="0" eaLnBrk="1" fontAlgn="auto" latinLnBrk="0" hangingPunct="1">
-              <a:lnSpc>
-                <a:spcPct val="90000"/>
-              </a:lnSpc>
-              <a:spcBef>
-                <a:spcPts val="1000"/>
-              </a:spcBef>
-              <a:spcAft>
-                <a:spcPts val="0"/>
-              </a:spcAft>
-              <a:buClrTx/>
-              <a:buSzTx/>
-              <a:buFont typeface="Arial" pitchFamily="34" charset="0"/>
-              <a:buChar char="•"/>
-              <a:tabLst/>
-              <a:defRPr/>
-            </a:pPr>
-            <a:endParaRPr lang="hu-HU" sz="2400" dirty="0"/>
-          </a:p>
-          <a:p>
-            <a:pPr marL="0" marR="0" lvl="0" indent="0" defTabSz="914400" rtl="0" eaLnBrk="1" fontAlgn="auto" latinLnBrk="0" hangingPunct="1">
-              <a:lnSpc>
-                <a:spcPct val="90000"/>
-              </a:lnSpc>
-              <a:spcBef>
-                <a:spcPts val="1000"/>
-              </a:spcBef>
-              <a:spcAft>
-                <a:spcPts val="0"/>
-              </a:spcAft>
-              <a:buClrTx/>
-              <a:buSzTx/>
-              <a:buFont typeface="Arial" pitchFamily="34" charset="0"/>
-              <a:buChar char="•"/>
-              <a:tabLst/>
-              <a:defRPr/>
-            </a:pPr>
-            <a:endParaRPr lang="hu-HU" sz="2400" baseline="0" dirty="0"/>
-          </a:p>
-        </p:txBody>
-      </p:sp>
-      <p:sp>
-        <p:nvSpPr>
-          <p:cNvPr id="4" name="Szövegdoboz 3"/>
-          <p:cNvSpPr txBox="1"/>
-          <p:nvPr/>
-        </p:nvSpPr>
-        <p:spPr>
-          <a:xfrm>
-            <a:off x="238898" y="1670087"/>
-            <a:ext cx="6113041" cy="3293209"/>
-          </a:xfrm>
-          <a:prstGeom prst="rect">
-            <a:avLst/>
-          </a:prstGeom>
-          <a:noFill/>
-        </p:spPr>
-        <p:txBody>
-          <a:bodyPr wrap="square" rtlCol="0">
-            <a:spAutoFit/>
-          </a:bodyPr>
-          <a:lstStyle/>
-          <a:p>
-            <a:pPr marL="285750" indent="-285750">
-              <a:spcBef>
-                <a:spcPts val="1200"/>
-              </a:spcBef>
-              <a:buFont typeface="Arial" panose="020B0604020202020204" pitchFamily="34" charset="0"/>
-              <a:buChar char="•"/>
-            </a:pPr>
-            <a:r>
-              <a:rPr lang="hu-HU" sz="2400" dirty="0"/>
-              <a:t>Spring </a:t>
-            </a:r>
-            <a:r>
-              <a:rPr lang="hu-HU" sz="2400" dirty="0" err="1"/>
-              <a:t>securitybe</a:t>
-            </a:r>
-            <a:r>
-              <a:rPr lang="hu-HU" sz="2400" dirty="0"/>
-              <a:t> </a:t>
-            </a:r>
-            <a:r>
-              <a:rPr lang="hu-HU" sz="2400" dirty="0" err="1"/>
-              <a:t>Admin</a:t>
-            </a:r>
-            <a:r>
-              <a:rPr lang="hu-HU" sz="2400" dirty="0"/>
-              <a:t> </a:t>
-            </a:r>
-            <a:r>
-              <a:rPr lang="hu-HU" sz="2400" dirty="0" err="1"/>
-              <a:t>security</a:t>
-            </a:r>
-            <a:endParaRPr lang="hu-HU" sz="2400" dirty="0"/>
-          </a:p>
-          <a:p>
-            <a:pPr marL="285750" indent="-285750">
-              <a:spcBef>
-                <a:spcPts val="1200"/>
-              </a:spcBef>
-              <a:buFont typeface="Arial" panose="020B0604020202020204" pitchFamily="34" charset="0"/>
-              <a:buChar char="•"/>
-            </a:pPr>
-            <a:r>
-              <a:rPr lang="hu-HU" sz="2400" dirty="0"/>
-              <a:t>REST Service</a:t>
-            </a:r>
-          </a:p>
-          <a:p>
-            <a:pPr marL="742950" lvl="1" indent="-285750">
-              <a:spcBef>
-                <a:spcPts val="1200"/>
-              </a:spcBef>
-              <a:buFont typeface="Arial" panose="020B0604020202020204" pitchFamily="34" charset="0"/>
-              <a:buChar char="•"/>
-            </a:pPr>
-            <a:r>
-              <a:rPr lang="hu-HU" sz="2400" dirty="0"/>
-              <a:t>Először nem működött az adatbázissal</a:t>
-            </a:r>
-          </a:p>
-          <a:p>
-            <a:pPr marL="742950" lvl="1" indent="-285750">
-              <a:spcBef>
-                <a:spcPts val="1200"/>
-              </a:spcBef>
-              <a:buFont typeface="Arial" panose="020B0604020202020204" pitchFamily="34" charset="0"/>
-              <a:buChar char="•"/>
-            </a:pPr>
-            <a:r>
-              <a:rPr lang="hu-HU" sz="2400" dirty="0"/>
-              <a:t>Saját </a:t>
-            </a:r>
-            <a:r>
-              <a:rPr lang="hu-HU" sz="2400" dirty="0" err="1"/>
-              <a:t>jackson</a:t>
-            </a:r>
-            <a:r>
-              <a:rPr lang="hu-HU" sz="2400" dirty="0"/>
-              <a:t> </a:t>
-            </a:r>
-            <a:r>
-              <a:rPr lang="hu-HU" sz="2400" dirty="0" err="1"/>
-              <a:t>provider</a:t>
-            </a:r>
-            <a:r>
-              <a:rPr lang="hu-HU" sz="2400" dirty="0"/>
-              <a:t> konfiguráció írása dátumok </a:t>
-            </a:r>
-            <a:r>
-              <a:rPr lang="hu-HU" sz="2400" dirty="0" err="1"/>
-              <a:t>szerializálásához</a:t>
-            </a:r>
-            <a:endParaRPr lang="hu-HU" sz="2400" dirty="0"/>
-          </a:p>
-          <a:p>
-            <a:pPr marL="742950" lvl="1" indent="-285750">
-              <a:spcBef>
-                <a:spcPts val="1200"/>
-              </a:spcBef>
-              <a:buFont typeface="Arial" panose="020B0604020202020204" pitchFamily="34" charset="0"/>
-              <a:buChar char="•"/>
-            </a:pPr>
-            <a:r>
-              <a:rPr lang="hu-HU" sz="2400" dirty="0"/>
-              <a:t>lokálisan ment, de a távoli web szerveren nem (</a:t>
-            </a:r>
-            <a:r>
-              <a:rPr lang="hu-HU" sz="2400" dirty="0" err="1"/>
-              <a:t>Cross-Origin</a:t>
-            </a:r>
-            <a:r>
-              <a:rPr lang="hu-HU" sz="2400" dirty="0"/>
-              <a:t>)</a:t>
-            </a:r>
-          </a:p>
-        </p:txBody>
-      </p:sp>
-      <p:pic>
-        <p:nvPicPr>
-          <p:cNvPr id="6" name="Picture 2" descr="https://i.ytimg.com/vi/9PbZfWPUdiU/maxresdefault.jpg"/>
-          <p:cNvPicPr>
-            <a:picLocks noChangeAspect="1" noChangeArrowheads="1"/>
-          </p:cNvPicPr>
-          <p:nvPr/>
-        </p:nvPicPr>
-        <p:blipFill>
-          <a:blip r:embed="rId3" cstate="print">
-            <a:extLst>
-              <a:ext uri="{28A0092B-C50C-407E-A947-70E740481C1C}">
-                <a14:useLocalDpi xmlns:a14="http://schemas.microsoft.com/office/drawing/2010/main" val="0"/>
-              </a:ext>
-            </a:extLst>
-          </a:blip>
-          <a:srcRect/>
-          <a:stretch>
-            <a:fillRect/>
-          </a:stretch>
-        </p:blipFill>
-        <p:spPr bwMode="auto">
-          <a:xfrm>
-            <a:off x="4797711" y="1213996"/>
-            <a:ext cx="2150535" cy="1209676"/>
-          </a:xfrm>
-          <a:prstGeom prst="rect">
-            <a:avLst/>
-          </a:prstGeom>
-          <a:noFill/>
-          <a:extLst>
-            <a:ext uri="{909E8E84-426E-40DD-AFC4-6F175D3DCCD1}">
-              <a14:hiddenFill xmlns:a14="http://schemas.microsoft.com/office/drawing/2010/main">
-                <a:solidFill>
-                  <a:srgbClr val="FFFFFF"/>
-                </a:solidFill>
-              </a14:hiddenFill>
-            </a:ext>
-          </a:extLst>
-        </p:spPr>
-      </p:pic>
-    </p:spTree>
-    <p:extLst>
-      <p:ext uri="{BB962C8B-B14F-4D97-AF65-F5344CB8AC3E}">
-        <p14:creationId xmlns:p14="http://schemas.microsoft.com/office/powerpoint/2010/main" val="2070722649"/>
-      </p:ext>
-    </p:extLst>
-  </p:cSld>
-  <p:clrMapOvr>
-    <a:masterClrMapping/>
-  </p:clrMapOvr>
-</p:sld>
-</file>
-
-<file path=ppt/slides/slide7.xml><?xml version="1.0" encoding="utf-8"?>
-<p:sld xmlns:a="http://schemas.openxmlformats.org/drawingml/2006/main" xmlns:r="http://schemas.openxmlformats.org/officeDocument/2006/relationships" xmlns:p="http://schemas.openxmlformats.org/presentationml/2006/main">
-  <p:cSld>
-    <p:spTree>
-      <p:nvGrpSpPr>
-        <p:cNvPr id="1" name=""/>
-        <p:cNvGrpSpPr/>
-        <p:nvPr/>
-      </p:nvGrpSpPr>
-      <p:grpSpPr>
-        <a:xfrm>
-          <a:off x="0" y="0"/>
-          <a:ext cx="0" cy="0"/>
-          <a:chOff x="0" y="0"/>
-          <a:chExt cx="0" cy="0"/>
-        </a:xfrm>
-      </p:grpSpPr>
-      <p:sp>
-        <p:nvSpPr>
-          <p:cNvPr id="2" name="Cím 1"/>
-          <p:cNvSpPr>
-            <a:spLocks noGrp="1"/>
-          </p:cNvSpPr>
-          <p:nvPr>
-            <p:ph type="ctrTitle"/>
-          </p:nvPr>
-        </p:nvSpPr>
-        <p:spPr>
-          <a:xfrm>
-            <a:off x="7521394" y="67963"/>
-            <a:ext cx="1548465" cy="447603"/>
-          </a:xfrm>
-        </p:spPr>
-        <p:txBody>
-          <a:bodyPr>
-            <a:normAutofit/>
-          </a:bodyPr>
-          <a:lstStyle/>
-          <a:p>
-            <a:r>
-              <a:rPr lang="hu-HU" sz="1800" dirty="0" err="1"/>
-              <a:t>Helpdesk</a:t>
-            </a:r>
-            <a:endParaRPr lang="hu-HU" sz="1800" dirty="0"/>
-          </a:p>
-        </p:txBody>
-      </p:sp>
       <p:sp>
         <p:nvSpPr>
           <p:cNvPr id="3" name="Alcím 2"/>
@@ -6038,6 +5789,35 @@
           </a:extLst>
         </p:spPr>
       </p:pic>
+      <p:sp>
+        <p:nvSpPr>
+          <p:cNvPr id="9" name="Cím 1"/>
+          <p:cNvSpPr>
+            <a:spLocks noGrp="1"/>
+          </p:cNvSpPr>
+          <p:nvPr>
+            <p:ph type="ctrTitle"/>
+          </p:nvPr>
+        </p:nvSpPr>
+        <p:spPr>
+          <a:xfrm rot="20305361">
+            <a:off x="7446477" y="153351"/>
+            <a:ext cx="1548465" cy="417968"/>
+          </a:xfrm>
+        </p:spPr>
+        <p:txBody>
+          <a:bodyPr>
+            <a:normAutofit/>
+          </a:bodyPr>
+          <a:lstStyle/>
+          <a:p>
+            <a:r>
+              <a:rPr lang="hu-HU" sz="1800" dirty="0"/>
+              <a:t>Helpdesk</a:t>
+            </a:r>
+          </a:p>
+        </p:txBody>
+      </p:sp>
     </p:spTree>
     <p:extLst>
       <p:ext uri="{BB962C8B-B14F-4D97-AF65-F5344CB8AC3E}">
@@ -6051,7 +5831,7 @@
 </p:sld>
 </file>
 
-<file path=ppt/slides/slide8.xml><?xml version="1.0" encoding="utf-8"?>
+<file path=ppt/slides/slide7.xml><?xml version="1.0" encoding="utf-8"?>
 <p:sld xmlns:a="http://schemas.openxmlformats.org/drawingml/2006/main" xmlns:r="http://schemas.openxmlformats.org/officeDocument/2006/relationships" xmlns:p="http://schemas.openxmlformats.org/presentationml/2006/main">
   <p:cSld>
     <p:bg>
@@ -6853,6 +6633,21 @@
 </file>
 
 <file path=customXml/item1.xml><?xml version="1.0" encoding="utf-8"?>
+<p:properties xmlns:p="http://schemas.microsoft.com/office/2006/metadata/properties" xmlns:xsi="http://www.w3.org/2001/XMLSchema-instance" xmlns:pc="http://schemas.microsoft.com/office/infopath/2007/PartnerControls">
+  <documentManagement/>
+</p:properties>
+</file>
+
+<file path=customXml/item2.xml><?xml version="1.0" encoding="utf-8"?>
+<?mso-contentType ?>
+<FormTemplates xmlns="http://schemas.microsoft.com/sharepoint/v3/contenttype/forms">
+  <Display>DocumentLibraryForm</Display>
+  <Edit>DocumentLibraryForm</Edit>
+  <New>DocumentLibraryForm</New>
+</FormTemplates>
+</file>
+
+<file path=customXml/item3.xml><?xml version="1.0" encoding="utf-8"?>
 <ct:contentTypeSchema xmlns:ct="http://schemas.microsoft.com/office/2006/metadata/contentType" xmlns:ma="http://schemas.microsoft.com/office/2006/metadata/properties/metaAttributes" ct:_="" ma:_="" ma:contentTypeName="Dokumentum" ma:contentTypeID="0x010100AC862C676857C24E8FC2D32B30708833" ma:contentTypeVersion="2" ma:contentTypeDescription="Új dokumentum létrehozása." ma:contentTypeScope="" ma:versionID="56d51952ebb676fe3cf20c5597969f31">
   <xsd:schema xmlns:xsd="http://www.w3.org/2001/XMLSchema" xmlns:xs="http://www.w3.org/2001/XMLSchema" xmlns:p="http://schemas.microsoft.com/office/2006/metadata/properties" xmlns:ns2="9a324a02-be43-499b-8089-7896e70993e7" targetNamespace="http://schemas.microsoft.com/office/2006/metadata/properties" ma:root="true" ma:fieldsID="4fefbcd2855290300f96a0ef710b0fa0" ns2:_="">
     <xsd:import namespace="9a324a02-be43-499b-8089-7896e70993e7"/>
@@ -7000,22 +6795,31 @@
 </ct:contentTypeSchema>
 </file>
 
-<file path=customXml/item2.xml><?xml version="1.0" encoding="utf-8"?>
-<?mso-contentType ?>
-<FormTemplates xmlns="http://schemas.microsoft.com/sharepoint/v3/contenttype/forms">
-  <Display>DocumentLibraryForm</Display>
-  <Edit>DocumentLibraryForm</Edit>
-  <New>DocumentLibraryForm</New>
-</FormTemplates>
+<file path=customXml/itemProps1.xml><?xml version="1.0" encoding="utf-8"?>
+<ds:datastoreItem xmlns:ds="http://schemas.openxmlformats.org/officeDocument/2006/customXml" ds:itemID="{8E1455B4-EFFE-4AEE-ADC2-FE51D16F6234}">
+  <ds:schemaRefs>
+    <ds:schemaRef ds:uri="9a324a02-be43-499b-8089-7896e70993e7"/>
+    <ds:schemaRef ds:uri="http://purl.org/dc/elements/1.1/"/>
+    <ds:schemaRef ds:uri="http://schemas.microsoft.com/office/2006/metadata/properties"/>
+    <ds:schemaRef ds:uri="http://purl.org/dc/terms/"/>
+    <ds:schemaRef ds:uri="http://schemas.openxmlformats.org/package/2006/metadata/core-properties"/>
+    <ds:schemaRef ds:uri="http://purl.org/dc/dcmitype/"/>
+    <ds:schemaRef ds:uri="http://schemas.microsoft.com/office/2006/documentManagement/types"/>
+    <ds:schemaRef ds:uri="http://schemas.microsoft.com/office/infopath/2007/PartnerControls"/>
+    <ds:schemaRef ds:uri="http://www.w3.org/XML/1998/namespace"/>
+  </ds:schemaRefs>
+</ds:datastoreItem>
 </file>
 
-<file path=customXml/item3.xml><?xml version="1.0" encoding="utf-8"?>
-<p:properties xmlns:p="http://schemas.microsoft.com/office/2006/metadata/properties" xmlns:xsi="http://www.w3.org/2001/XMLSchema-instance" xmlns:pc="http://schemas.microsoft.com/office/infopath/2007/PartnerControls">
-  <documentManagement/>
-</p:properties>
+<file path=customXml/itemProps2.xml><?xml version="1.0" encoding="utf-8"?>
+<ds:datastoreItem xmlns:ds="http://schemas.openxmlformats.org/officeDocument/2006/customXml" ds:itemID="{166AD069-051C-46FD-A0CD-BDE143FEA57D}">
+  <ds:schemaRefs>
+    <ds:schemaRef ds:uri="http://schemas.microsoft.com/sharepoint/v3/contenttype/forms"/>
+  </ds:schemaRefs>
+</ds:datastoreItem>
 </file>
 
-<file path=customXml/itemProps1.xml><?xml version="1.0" encoding="utf-8"?>
+<file path=customXml/itemProps3.xml><?xml version="1.0" encoding="utf-8"?>
 <ds:datastoreItem xmlns:ds="http://schemas.openxmlformats.org/officeDocument/2006/customXml" ds:itemID="{C5A1A0B1-1575-4000-BA64-916766809361}">
   <ds:schemaRefs>
     <ds:schemaRef ds:uri="http://schemas.microsoft.com/office/2006/metadata/contentType"/>
@@ -7031,28 +6835,4 @@
     <ds:schemaRef ds:uri="http://schemas.microsoft.com/internal/obd"/>
   </ds:schemaRefs>
 </ds:datastoreItem>
-</file>
-
-<file path=customXml/itemProps2.xml><?xml version="1.0" encoding="utf-8"?>
-<ds:datastoreItem xmlns:ds="http://schemas.openxmlformats.org/officeDocument/2006/customXml" ds:itemID="{166AD069-051C-46FD-A0CD-BDE143FEA57D}">
-  <ds:schemaRefs>
-    <ds:schemaRef ds:uri="http://schemas.microsoft.com/sharepoint/v3/contenttype/forms"/>
-  </ds:schemaRefs>
-</ds:datastoreItem>
-</file>
-
-<file path=customXml/itemProps3.xml><?xml version="1.0" encoding="utf-8"?>
-<ds:datastoreItem xmlns:ds="http://schemas.openxmlformats.org/officeDocument/2006/customXml" ds:itemID="{8E1455B4-EFFE-4AEE-ADC2-FE51D16F6234}">
-  <ds:schemaRefs>
-    <ds:schemaRef ds:uri="9a324a02-be43-499b-8089-7896e70993e7"/>
-    <ds:schemaRef ds:uri="http://purl.org/dc/elements/1.1/"/>
-    <ds:schemaRef ds:uri="http://schemas.microsoft.com/office/2006/metadata/properties"/>
-    <ds:schemaRef ds:uri="http://purl.org/dc/terms/"/>
-    <ds:schemaRef ds:uri="http://schemas.openxmlformats.org/package/2006/metadata/core-properties"/>
-    <ds:schemaRef ds:uri="http://purl.org/dc/dcmitype/"/>
-    <ds:schemaRef ds:uri="http://schemas.microsoft.com/office/2006/documentManagement/types"/>
-    <ds:schemaRef ds:uri="http://schemas.microsoft.com/office/infopath/2007/PartnerControls"/>
-    <ds:schemaRef ds:uri="http://www.w3.org/XML/1998/namespace"/>
-  </ds:schemaRefs>
-</ds:datastoreItem>
 </file>
--- a/presentation/Helpdesk/Pintér Dávid/david_pinter_presentation.pptx
+++ b/presentation/Helpdesk/Pintér Dávid/david_pinter_presentation.pptx
@@ -235,7 +235,7 @@
             <a:fld id="{108E5D05-7368-4B91-AD81-999E65E8BFFE}" type="datetimeFigureOut">
               <a:rPr lang="hu-HU" smtClean="0"/>
               <a:pPr/>
-              <a:t>2017.03.05.</a:t>
+              <a:t>2017.03.07.</a:t>
             </a:fld>
             <a:endParaRPr lang="hu-HU"/>
           </a:p>
@@ -712,16 +712,27 @@
           <a:p>
             <a:r>
               <a:rPr lang="hu-HU" baseline="0" dirty="0"/>
-              <a:t>KEVÉS ISMERT TECHNOLÓGIA</a:t>
-            </a:r>
-          </a:p>
-          <a:p>
-            <a:endParaRPr lang="hu-HU" baseline="0" dirty="0"/>
+              <a:t>MEGLÉVŐ ISMERETEIM BŐVÍTÉSE</a:t>
+            </a:r>
           </a:p>
           <a:p>
             <a:r>
               <a:rPr lang="hu-HU" baseline="0" dirty="0"/>
-              <a:t>-&gt; Egy jó fejlesztőnek ismernie kell a webet!(ELV)</a:t>
+              <a:t>BENÉZNI A MOTORHÁZTETŐ ALÁ</a:t>
+            </a:r>
+          </a:p>
+          <a:p>
+            <a:r>
+              <a:rPr lang="hu-HU" baseline="0" dirty="0"/>
+              <a:t>-&gt; Egy</a:t>
+            </a:r>
+            <a:r>
+              <a:rPr lang="hu-HU" b="1" baseline="0" dirty="0"/>
+              <a:t> jó </a:t>
+            </a:r>
+            <a:r>
+              <a:rPr lang="hu-HU" baseline="0" dirty="0"/>
+              <a:t>fejlesztőnek ismernie kell a webet!(ÚGY ÉRZEM/GONDOLOM/MEGFOGALMAZÓDOTT BENNEM)</a:t>
             </a:r>
           </a:p>
         </p:txBody>
@@ -816,8 +827,16 @@
           </a:p>
           <a:p>
             <a:r>
+              <a:rPr lang="hu-HU" b="1" baseline="0" dirty="0"/>
+              <a:t>MÉLY VÍZ</a:t>
+            </a:r>
+            <a:r>
               <a:rPr lang="hu-HU" baseline="0" dirty="0"/>
-              <a:t>MÉLY VÍZ, KÜLÖNBÖZŐ TECHNOLÓGIÁK, TEST ENTITY</a:t>
+              <a:t>, KÜLÖNBÖZŐ TECHNOLÓGIÁK, TEST ENTITY, </a:t>
+            </a:r>
+            <a:r>
+              <a:rPr lang="hu-HU" b="1" baseline="0" dirty="0"/>
+              <a:t>SZÉLMALOMHARC: STACK TRACE</a:t>
             </a:r>
           </a:p>
           <a:p>
@@ -827,19 +846,43 @@
             </a:r>
             <a:r>
               <a:rPr lang="hu-HU" baseline="0" dirty="0"/>
-              <a:t> team:</a:t>
-            </a:r>
-          </a:p>
-          <a:p>
+              <a:t> team: </a:t>
+            </a:r>
+            <a:r>
+              <a:rPr lang="hu-HU" b="1" baseline="0" dirty="0"/>
+              <a:t>TÁVOLI EJB HÍVÁS</a:t>
+            </a:r>
             <a:r>
               <a:rPr lang="hu-HU" baseline="0" dirty="0"/>
-              <a:t>TOMI, SPRING SECU -&gt; ADMIN SECU(KIHÍVÁS)</a:t>
-            </a:r>
-          </a:p>
-          <a:p>
+              <a:t>, </a:t>
+            </a:r>
+            <a:r>
+              <a:rPr lang="hu-HU" b="1" baseline="0" dirty="0"/>
+              <a:t>KICSIT CSAPATTAG VOLTAM</a:t>
+            </a:r>
+          </a:p>
+          <a:p>
+            <a:r>
+              <a:rPr lang="hu-HU" b="1" baseline="0" dirty="0"/>
+              <a:t>TOMI</a:t>
+            </a:r>
             <a:r>
               <a:rPr lang="hu-HU" baseline="0" dirty="0"/>
-              <a:t>GERI, SANYI</a:t>
+              <a:t>, SPRING SECU -&gt; ADMIN SECU(KIHÍVÁS)</a:t>
+            </a:r>
+          </a:p>
+          <a:p>
+            <a:r>
+              <a:rPr lang="hu-HU" b="1" baseline="0" dirty="0"/>
+              <a:t>GERI</a:t>
+            </a:r>
+            <a:r>
+              <a:rPr lang="hu-HU" baseline="0" dirty="0"/>
+              <a:t>, </a:t>
+            </a:r>
+            <a:r>
+              <a:rPr lang="hu-HU" b="1" baseline="0" dirty="0"/>
+              <a:t>SANYI</a:t>
             </a:r>
           </a:p>
         </p:txBody>
@@ -928,8 +971,12 @@
           <a:lstStyle/>
           <a:p>
             <a:r>
+              <a:rPr lang="hu-HU" b="1" baseline="0" dirty="0"/>
+              <a:t>ÁRON</a:t>
+            </a:r>
+            <a:r>
               <a:rPr lang="hu-HU" baseline="0" dirty="0"/>
-              <a:t>ÁRON, MEGÁLLAPODÁS</a:t>
+              <a:t>, MEGÁLLAPODÁS</a:t>
             </a:r>
           </a:p>
           <a:p>
@@ -1029,7 +1076,24 @@
           </a:bodyPr>
           <a:lstStyle/>
           <a:p>
-            <a:endParaRPr lang="hu-HU" baseline="0" dirty="0"/>
+            <a:r>
+              <a:rPr lang="hu-HU" baseline="0" dirty="0"/>
+              <a:t>SZEBB KÓD: </a:t>
+            </a:r>
+            <a:r>
+              <a:rPr lang="hu-HU" baseline="0" dirty="0"/>
+              <a:t>CHECKSTYLE + </a:t>
+            </a:r>
+            <a:r>
+              <a:rPr lang="hu-HU" baseline="0" dirty="0"/>
+              <a:t>ATTILA</a:t>
+            </a:r>
+          </a:p>
+          <a:p>
+            <a:r>
+              <a:rPr lang="hu-HU" baseline="0" dirty="0"/>
+              <a:t>JÓ HANGULAT: KÉPZÉS + PROJEKT MUNKA</a:t>
+            </a:r>
           </a:p>
         </p:txBody>
       </p:sp>
@@ -1202,7 +1266,7 @@
             <a:fld id="{C6E8B002-83F0-41C5-A7B7-2819A96BD9B2}" type="datetimeFigureOut">
               <a:rPr lang="hu-HU" smtClean="0"/>
               <a:pPr/>
-              <a:t>2017.03.05.</a:t>
+              <a:t>2017.03.07.</a:t>
             </a:fld>
             <a:endParaRPr lang="hu-HU"/>
           </a:p>
@@ -1374,7 +1438,7 @@
             <a:fld id="{C6E8B002-83F0-41C5-A7B7-2819A96BD9B2}" type="datetimeFigureOut">
               <a:rPr lang="hu-HU" smtClean="0"/>
               <a:pPr/>
-              <a:t>2017.03.05.</a:t>
+              <a:t>2017.03.07.</a:t>
             </a:fld>
             <a:endParaRPr lang="hu-HU"/>
           </a:p>
@@ -1556,7 +1620,7 @@
             <a:fld id="{C6E8B002-83F0-41C5-A7B7-2819A96BD9B2}" type="datetimeFigureOut">
               <a:rPr lang="hu-HU" smtClean="0"/>
               <a:pPr/>
-              <a:t>2017.03.05.</a:t>
+              <a:t>2017.03.07.</a:t>
             </a:fld>
             <a:endParaRPr lang="hu-HU"/>
           </a:p>
@@ -1728,7 +1792,7 @@
             <a:fld id="{C6E8B002-83F0-41C5-A7B7-2819A96BD9B2}" type="datetimeFigureOut">
               <a:rPr lang="hu-HU" smtClean="0"/>
               <a:pPr/>
-              <a:t>2017.03.05.</a:t>
+              <a:t>2017.03.07.</a:t>
             </a:fld>
             <a:endParaRPr lang="hu-HU"/>
           </a:p>
@@ -1974,7 +2038,7 @@
             <a:fld id="{C6E8B002-83F0-41C5-A7B7-2819A96BD9B2}" type="datetimeFigureOut">
               <a:rPr lang="hu-HU" smtClean="0"/>
               <a:pPr/>
-              <a:t>2017.03.05.</a:t>
+              <a:t>2017.03.07.</a:t>
             </a:fld>
             <a:endParaRPr lang="hu-HU"/>
           </a:p>
@@ -2208,7 +2272,7 @@
             <a:fld id="{C6E8B002-83F0-41C5-A7B7-2819A96BD9B2}" type="datetimeFigureOut">
               <a:rPr lang="hu-HU" smtClean="0"/>
               <a:pPr/>
-              <a:t>2017.03.05.</a:t>
+              <a:t>2017.03.07.</a:t>
             </a:fld>
             <a:endParaRPr lang="hu-HU"/>
           </a:p>
@@ -2577,7 +2641,7 @@
             <a:fld id="{C6E8B002-83F0-41C5-A7B7-2819A96BD9B2}" type="datetimeFigureOut">
               <a:rPr lang="hu-HU" smtClean="0"/>
               <a:pPr/>
-              <a:t>2017.03.05.</a:t>
+              <a:t>2017.03.07.</a:t>
             </a:fld>
             <a:endParaRPr lang="hu-HU"/>
           </a:p>
@@ -2697,7 +2761,7 @@
             <a:fld id="{C6E8B002-83F0-41C5-A7B7-2819A96BD9B2}" type="datetimeFigureOut">
               <a:rPr lang="hu-HU" smtClean="0"/>
               <a:pPr/>
-              <a:t>2017.03.05.</a:t>
+              <a:t>2017.03.07.</a:t>
             </a:fld>
             <a:endParaRPr lang="hu-HU"/>
           </a:p>
@@ -2794,7 +2858,7 @@
             <a:fld id="{C6E8B002-83F0-41C5-A7B7-2819A96BD9B2}" type="datetimeFigureOut">
               <a:rPr lang="hu-HU" smtClean="0"/>
               <a:pPr/>
-              <a:t>2017.03.05.</a:t>
+              <a:t>2017.03.07.</a:t>
             </a:fld>
             <a:endParaRPr lang="hu-HU"/>
           </a:p>
@@ -3073,7 +3137,7 @@
             <a:fld id="{C6E8B002-83F0-41C5-A7B7-2819A96BD9B2}" type="datetimeFigureOut">
               <a:rPr lang="hu-HU" smtClean="0"/>
               <a:pPr/>
-              <a:t>2017.03.05.</a:t>
+              <a:t>2017.03.07.</a:t>
             </a:fld>
             <a:endParaRPr lang="hu-HU"/>
           </a:p>
@@ -3332,7 +3396,7 @@
             <a:fld id="{C6E8B002-83F0-41C5-A7B7-2819A96BD9B2}" type="datetimeFigureOut">
               <a:rPr lang="hu-HU" smtClean="0"/>
               <a:pPr/>
-              <a:t>2017.03.05.</a:t>
+              <a:t>2017.03.07.</a:t>
             </a:fld>
             <a:endParaRPr lang="hu-HU"/>
           </a:p>
@@ -3554,7 +3618,7 @@
             <a:fld id="{C6E8B002-83F0-41C5-A7B7-2819A96BD9B2}" type="datetimeFigureOut">
               <a:rPr lang="hu-HU" smtClean="0"/>
               <a:pPr/>
-              <a:t>2017.03.05.</a:t>
+              <a:t>2017.03.07.</a:t>
             </a:fld>
             <a:endParaRPr lang="hu-HU"/>
           </a:p>
@@ -4914,7 +4978,7 @@
         </p:blipFill>
         <p:spPr bwMode="auto">
           <a:xfrm>
-            <a:off x="5565632" y="3114455"/>
+            <a:off x="7527465" y="2951889"/>
             <a:ext cx="868715" cy="1250950"/>
           </a:xfrm>
           <a:prstGeom prst="rect">
@@ -4955,8 +5019,8 @@
         </p:blipFill>
         <p:spPr bwMode="auto">
           <a:xfrm>
-            <a:off x="4910997" y="1448512"/>
-            <a:ext cx="1576081" cy="1576081"/>
+            <a:off x="4581826" y="928223"/>
+            <a:ext cx="1326649" cy="1326649"/>
           </a:xfrm>
           <a:prstGeom prst="rect">
             <a:avLst/>
@@ -4996,7 +5060,7 @@
         </p:blipFill>
         <p:spPr bwMode="auto">
           <a:xfrm>
-            <a:off x="6704196" y="2509617"/>
+            <a:off x="6116204" y="1591547"/>
             <a:ext cx="2150535" cy="1209676"/>
           </a:xfrm>
           <a:prstGeom prst="rect">
@@ -5063,6 +5127,47 @@
           </a:p>
         </p:txBody>
       </p:sp>
+      <p:pic>
+        <p:nvPicPr>
+          <p:cNvPr id="2" name="Picture 2" descr="https://www.emergenetics.com/blog/wp-content/uploads/2014/04/Collaboration.jpg"/>
+          <p:cNvPicPr>
+            <a:picLocks noChangeAspect="1" noChangeArrowheads="1"/>
+          </p:cNvPicPr>
+          <p:nvPr/>
+        </p:nvPicPr>
+        <p:blipFill>
+          <a:blip r:embed="rId6" cstate="print">
+            <a:extLst>
+              <a:ext uri="{28A0092B-C50C-407E-A947-70E740481C1C}">
+                <a14:useLocalDpi xmlns:a14="http://schemas.microsoft.com/office/drawing/2010/main" val="0"/>
+              </a:ext>
+            </a:extLst>
+          </a:blip>
+          <a:srcRect/>
+          <a:stretch>
+            <a:fillRect/>
+          </a:stretch>
+        </p:blipFill>
+        <p:spPr bwMode="auto">
+          <a:xfrm>
+            <a:off x="5021157" y="2725015"/>
+            <a:ext cx="2170315" cy="1896391"/>
+          </a:xfrm>
+          <a:prstGeom prst="rect">
+            <a:avLst/>
+          </a:prstGeom>
+          <a:noFill/>
+          <a:extLst>
+            <a:ext uri="{909E8E84-426E-40DD-AFC4-6F175D3DCCD1}">
+              <a14:hiddenFill xmlns:a14="http://schemas.microsoft.com/office/drawing/2010/main">
+                <a:solidFill>
+                  <a:srgbClr val="FFFFFF"/>
+                </a:solidFill>
+              </a14:hiddenFill>
+            </a:ext>
+          </a:extLst>
+        </p:spPr>
+      </p:pic>
     </p:spTree>
     <p:extLst>
       <p:ext uri="{BB962C8B-B14F-4D97-AF65-F5344CB8AC3E}">
@@ -6633,21 +6738,6 @@
 </file>
 
 <file path=customXml/item1.xml><?xml version="1.0" encoding="utf-8"?>
-<p:properties xmlns:p="http://schemas.microsoft.com/office/2006/metadata/properties" xmlns:xsi="http://www.w3.org/2001/XMLSchema-instance" xmlns:pc="http://schemas.microsoft.com/office/infopath/2007/PartnerControls">
-  <documentManagement/>
-</p:properties>
-</file>
-
-<file path=customXml/item2.xml><?xml version="1.0" encoding="utf-8"?>
-<?mso-contentType ?>
-<FormTemplates xmlns="http://schemas.microsoft.com/sharepoint/v3/contenttype/forms">
-  <Display>DocumentLibraryForm</Display>
-  <Edit>DocumentLibraryForm</Edit>
-  <New>DocumentLibraryForm</New>
-</FormTemplates>
-</file>
-
-<file path=customXml/item3.xml><?xml version="1.0" encoding="utf-8"?>
 <ct:contentTypeSchema xmlns:ct="http://schemas.microsoft.com/office/2006/metadata/contentType" xmlns:ma="http://schemas.microsoft.com/office/2006/metadata/properties/metaAttributes" ct:_="" ma:_="" ma:contentTypeName="Dokumentum" ma:contentTypeID="0x010100AC862C676857C24E8FC2D32B30708833" ma:contentTypeVersion="2" ma:contentTypeDescription="Új dokumentum létrehozása." ma:contentTypeScope="" ma:versionID="56d51952ebb676fe3cf20c5597969f31">
   <xsd:schema xmlns:xsd="http://www.w3.org/2001/XMLSchema" xmlns:xs="http://www.w3.org/2001/XMLSchema" xmlns:p="http://schemas.microsoft.com/office/2006/metadata/properties" xmlns:ns2="9a324a02-be43-499b-8089-7896e70993e7" targetNamespace="http://schemas.microsoft.com/office/2006/metadata/properties" ma:root="true" ma:fieldsID="4fefbcd2855290300f96a0ef710b0fa0" ns2:_="">
     <xsd:import namespace="9a324a02-be43-499b-8089-7896e70993e7"/>
@@ -6795,31 +6885,22 @@
 </ct:contentTypeSchema>
 </file>
 
-<file path=customXml/itemProps1.xml><?xml version="1.0" encoding="utf-8"?>
-<ds:datastoreItem xmlns:ds="http://schemas.openxmlformats.org/officeDocument/2006/customXml" ds:itemID="{8E1455B4-EFFE-4AEE-ADC2-FE51D16F6234}">
-  <ds:schemaRefs>
-    <ds:schemaRef ds:uri="9a324a02-be43-499b-8089-7896e70993e7"/>
-    <ds:schemaRef ds:uri="http://purl.org/dc/elements/1.1/"/>
-    <ds:schemaRef ds:uri="http://schemas.microsoft.com/office/2006/metadata/properties"/>
-    <ds:schemaRef ds:uri="http://purl.org/dc/terms/"/>
-    <ds:schemaRef ds:uri="http://schemas.openxmlformats.org/package/2006/metadata/core-properties"/>
-    <ds:schemaRef ds:uri="http://purl.org/dc/dcmitype/"/>
-    <ds:schemaRef ds:uri="http://schemas.microsoft.com/office/2006/documentManagement/types"/>
-    <ds:schemaRef ds:uri="http://schemas.microsoft.com/office/infopath/2007/PartnerControls"/>
-    <ds:schemaRef ds:uri="http://www.w3.org/XML/1998/namespace"/>
-  </ds:schemaRefs>
-</ds:datastoreItem>
+<file path=customXml/item2.xml><?xml version="1.0" encoding="utf-8"?>
+<?mso-contentType ?>
+<FormTemplates xmlns="http://schemas.microsoft.com/sharepoint/v3/contenttype/forms">
+  <Display>DocumentLibraryForm</Display>
+  <Edit>DocumentLibraryForm</Edit>
+  <New>DocumentLibraryForm</New>
+</FormTemplates>
 </file>
 
-<file path=customXml/itemProps2.xml><?xml version="1.0" encoding="utf-8"?>
-<ds:datastoreItem xmlns:ds="http://schemas.openxmlformats.org/officeDocument/2006/customXml" ds:itemID="{166AD069-051C-46FD-A0CD-BDE143FEA57D}">
-  <ds:schemaRefs>
-    <ds:schemaRef ds:uri="http://schemas.microsoft.com/sharepoint/v3/contenttype/forms"/>
-  </ds:schemaRefs>
-</ds:datastoreItem>
+<file path=customXml/item3.xml><?xml version="1.0" encoding="utf-8"?>
+<p:properties xmlns:p="http://schemas.microsoft.com/office/2006/metadata/properties" xmlns:xsi="http://www.w3.org/2001/XMLSchema-instance" xmlns:pc="http://schemas.microsoft.com/office/infopath/2007/PartnerControls">
+  <documentManagement/>
+</p:properties>
 </file>
 
-<file path=customXml/itemProps3.xml><?xml version="1.0" encoding="utf-8"?>
+<file path=customXml/itemProps1.xml><?xml version="1.0" encoding="utf-8"?>
 <ds:datastoreItem xmlns:ds="http://schemas.openxmlformats.org/officeDocument/2006/customXml" ds:itemID="{C5A1A0B1-1575-4000-BA64-916766809361}">
   <ds:schemaRefs>
     <ds:schemaRef ds:uri="http://schemas.microsoft.com/office/2006/metadata/contentType"/>
@@ -6835,4 +6916,28 @@
     <ds:schemaRef ds:uri="http://schemas.microsoft.com/internal/obd"/>
   </ds:schemaRefs>
 </ds:datastoreItem>
+</file>
+
+<file path=customXml/itemProps2.xml><?xml version="1.0" encoding="utf-8"?>
+<ds:datastoreItem xmlns:ds="http://schemas.openxmlformats.org/officeDocument/2006/customXml" ds:itemID="{166AD069-051C-46FD-A0CD-BDE143FEA57D}">
+  <ds:schemaRefs>
+    <ds:schemaRef ds:uri="http://schemas.microsoft.com/sharepoint/v3/contenttype/forms"/>
+  </ds:schemaRefs>
+</ds:datastoreItem>
+</file>
+
+<file path=customXml/itemProps3.xml><?xml version="1.0" encoding="utf-8"?>
+<ds:datastoreItem xmlns:ds="http://schemas.openxmlformats.org/officeDocument/2006/customXml" ds:itemID="{8E1455B4-EFFE-4AEE-ADC2-FE51D16F6234}">
+  <ds:schemaRefs>
+    <ds:schemaRef ds:uri="9a324a02-be43-499b-8089-7896e70993e7"/>
+    <ds:schemaRef ds:uri="http://purl.org/dc/elements/1.1/"/>
+    <ds:schemaRef ds:uri="http://schemas.microsoft.com/office/2006/metadata/properties"/>
+    <ds:schemaRef ds:uri="http://purl.org/dc/terms/"/>
+    <ds:schemaRef ds:uri="http://schemas.openxmlformats.org/package/2006/metadata/core-properties"/>
+    <ds:schemaRef ds:uri="http://purl.org/dc/dcmitype/"/>
+    <ds:schemaRef ds:uri="http://schemas.microsoft.com/office/2006/documentManagement/types"/>
+    <ds:schemaRef ds:uri="http://schemas.microsoft.com/office/infopath/2007/PartnerControls"/>
+    <ds:schemaRef ds:uri="http://www.w3.org/XML/1998/namespace"/>
+  </ds:schemaRefs>
+</ds:datastoreItem>
 </file>
--- a/presentation/Helpdesk/Pintér Dávid/david_pinter_presentation.pptx
+++ b/presentation/Helpdesk/Pintér Dávid/david_pinter_presentation.pptx
@@ -1078,15 +1078,7 @@
           <a:p>
             <a:r>
               <a:rPr lang="hu-HU" baseline="0" dirty="0"/>
-              <a:t>SZEBB KÓD: </a:t>
-            </a:r>
-            <a:r>
-              <a:rPr lang="hu-HU" baseline="0" dirty="0"/>
-              <a:t>CHECKSTYLE + </a:t>
-            </a:r>
-            <a:r>
-              <a:rPr lang="hu-HU" baseline="0" dirty="0"/>
-              <a:t>ATTILA</a:t>
+              <a:t>SZEBB KÓD: CHECKSTYLE + ATTILA</a:t>
             </a:r>
           </a:p>
           <a:p>
@@ -5483,9 +5475,38 @@
           </a:extLst>
         </p:spPr>
       </p:pic>
+      <p:sp>
+        <p:nvSpPr>
+          <p:cNvPr id="13" name="Cím 1"/>
+          <p:cNvSpPr>
+            <a:spLocks noGrp="1"/>
+          </p:cNvSpPr>
+          <p:nvPr>
+            <p:ph type="ctrTitle"/>
+          </p:nvPr>
+        </p:nvSpPr>
+        <p:spPr>
+          <a:xfrm rot="20305361">
+            <a:off x="7446477" y="153351"/>
+            <a:ext cx="1548465" cy="417968"/>
+          </a:xfrm>
+        </p:spPr>
+        <p:txBody>
+          <a:bodyPr>
+            <a:normAutofit/>
+          </a:bodyPr>
+          <a:lstStyle/>
+          <a:p>
+            <a:r>
+              <a:rPr lang="hu-HU" sz="1800" dirty="0"/>
+              <a:t>Helpdesk</a:t>
+            </a:r>
+          </a:p>
+        </p:txBody>
+      </p:sp>
       <p:pic>
         <p:nvPicPr>
-          <p:cNvPr id="11" name="Kép 10"/>
+          <p:cNvPr id="10" name="Kép 9"/>
           <p:cNvPicPr>
             <a:picLocks noChangeAspect="1"/>
           </p:cNvPicPr>
@@ -5499,48 +5520,19 @@
               </a:ext>
             </a:extLst>
           </a:blip>
-          <a:srcRect t="-246" r="42309" b="54284"/>
+          <a:srcRect t="3114"/>
           <a:stretch/>
         </p:blipFill>
         <p:spPr>
           <a:xfrm>
-            <a:off x="4053587" y="2555542"/>
-            <a:ext cx="5090414" cy="2364036"/>
+            <a:off x="4043094" y="2666288"/>
+            <a:ext cx="5100906" cy="2275678"/>
           </a:xfrm>
           <a:prstGeom prst="rect">
             <a:avLst/>
           </a:prstGeom>
         </p:spPr>
       </p:pic>
-      <p:sp>
-        <p:nvSpPr>
-          <p:cNvPr id="13" name="Cím 1"/>
-          <p:cNvSpPr>
-            <a:spLocks noGrp="1"/>
-          </p:cNvSpPr>
-          <p:nvPr>
-            <p:ph type="ctrTitle"/>
-          </p:nvPr>
-        </p:nvSpPr>
-        <p:spPr>
-          <a:xfrm rot="20305361">
-            <a:off x="7446477" y="153351"/>
-            <a:ext cx="1548465" cy="417968"/>
-          </a:xfrm>
-        </p:spPr>
-        <p:txBody>
-          <a:bodyPr>
-            <a:normAutofit/>
-          </a:bodyPr>
-          <a:lstStyle/>
-          <a:p>
-            <a:r>
-              <a:rPr lang="hu-HU" sz="1800" dirty="0"/>
-              <a:t>Helpdesk</a:t>
-            </a:r>
-          </a:p>
-        </p:txBody>
-      </p:sp>
     </p:spTree>
     <p:extLst>
       <p:ext uri="{BB962C8B-B14F-4D97-AF65-F5344CB8AC3E}">
@@ -6738,6 +6730,21 @@
 </file>
 
 <file path=customXml/item1.xml><?xml version="1.0" encoding="utf-8"?>
+<p:properties xmlns:p="http://schemas.microsoft.com/office/2006/metadata/properties" xmlns:xsi="http://www.w3.org/2001/XMLSchema-instance" xmlns:pc="http://schemas.microsoft.com/office/infopath/2007/PartnerControls">
+  <documentManagement/>
+</p:properties>
+</file>
+
+<file path=customXml/item2.xml><?xml version="1.0" encoding="utf-8"?>
+<?mso-contentType ?>
+<FormTemplates xmlns="http://schemas.microsoft.com/sharepoint/v3/contenttype/forms">
+  <Display>DocumentLibraryForm</Display>
+  <Edit>DocumentLibraryForm</Edit>
+  <New>DocumentLibraryForm</New>
+</FormTemplates>
+</file>
+
+<file path=customXml/item3.xml><?xml version="1.0" encoding="utf-8"?>
 <ct:contentTypeSchema xmlns:ct="http://schemas.microsoft.com/office/2006/metadata/contentType" xmlns:ma="http://schemas.microsoft.com/office/2006/metadata/properties/metaAttributes" ct:_="" ma:_="" ma:contentTypeName="Dokumentum" ma:contentTypeID="0x010100AC862C676857C24E8FC2D32B30708833" ma:contentTypeVersion="2" ma:contentTypeDescription="Új dokumentum létrehozása." ma:contentTypeScope="" ma:versionID="56d51952ebb676fe3cf20c5597969f31">
   <xsd:schema xmlns:xsd="http://www.w3.org/2001/XMLSchema" xmlns:xs="http://www.w3.org/2001/XMLSchema" xmlns:p="http://schemas.microsoft.com/office/2006/metadata/properties" xmlns:ns2="9a324a02-be43-499b-8089-7896e70993e7" targetNamespace="http://schemas.microsoft.com/office/2006/metadata/properties" ma:root="true" ma:fieldsID="4fefbcd2855290300f96a0ef710b0fa0" ns2:_="">
     <xsd:import namespace="9a324a02-be43-499b-8089-7896e70993e7"/>
@@ -6885,22 +6892,31 @@
 </ct:contentTypeSchema>
 </file>
 
-<file path=customXml/item2.xml><?xml version="1.0" encoding="utf-8"?>
-<?mso-contentType ?>
-<FormTemplates xmlns="http://schemas.microsoft.com/sharepoint/v3/contenttype/forms">
-  <Display>DocumentLibraryForm</Display>
-  <Edit>DocumentLibraryForm</Edit>
-  <New>DocumentLibraryForm</New>
-</FormTemplates>
+<file path=customXml/itemProps1.xml><?xml version="1.0" encoding="utf-8"?>
+<ds:datastoreItem xmlns:ds="http://schemas.openxmlformats.org/officeDocument/2006/customXml" ds:itemID="{8E1455B4-EFFE-4AEE-ADC2-FE51D16F6234}">
+  <ds:schemaRefs>
+    <ds:schemaRef ds:uri="9a324a02-be43-499b-8089-7896e70993e7"/>
+    <ds:schemaRef ds:uri="http://purl.org/dc/elements/1.1/"/>
+    <ds:schemaRef ds:uri="http://schemas.microsoft.com/office/2006/metadata/properties"/>
+    <ds:schemaRef ds:uri="http://purl.org/dc/terms/"/>
+    <ds:schemaRef ds:uri="http://schemas.openxmlformats.org/package/2006/metadata/core-properties"/>
+    <ds:schemaRef ds:uri="http://purl.org/dc/dcmitype/"/>
+    <ds:schemaRef ds:uri="http://schemas.microsoft.com/office/2006/documentManagement/types"/>
+    <ds:schemaRef ds:uri="http://schemas.microsoft.com/office/infopath/2007/PartnerControls"/>
+    <ds:schemaRef ds:uri="http://www.w3.org/XML/1998/namespace"/>
+  </ds:schemaRefs>
+</ds:datastoreItem>
 </file>
 
-<file path=customXml/item3.xml><?xml version="1.0" encoding="utf-8"?>
-<p:properties xmlns:p="http://schemas.microsoft.com/office/2006/metadata/properties" xmlns:xsi="http://www.w3.org/2001/XMLSchema-instance" xmlns:pc="http://schemas.microsoft.com/office/infopath/2007/PartnerControls">
-  <documentManagement/>
-</p:properties>
+<file path=customXml/itemProps2.xml><?xml version="1.0" encoding="utf-8"?>
+<ds:datastoreItem xmlns:ds="http://schemas.openxmlformats.org/officeDocument/2006/customXml" ds:itemID="{166AD069-051C-46FD-A0CD-BDE143FEA57D}">
+  <ds:schemaRefs>
+    <ds:schemaRef ds:uri="http://schemas.microsoft.com/sharepoint/v3/contenttype/forms"/>
+  </ds:schemaRefs>
+</ds:datastoreItem>
 </file>
 
-<file path=customXml/itemProps1.xml><?xml version="1.0" encoding="utf-8"?>
+<file path=customXml/itemProps3.xml><?xml version="1.0" encoding="utf-8"?>
 <ds:datastoreItem xmlns:ds="http://schemas.openxmlformats.org/officeDocument/2006/customXml" ds:itemID="{C5A1A0B1-1575-4000-BA64-916766809361}">
   <ds:schemaRefs>
     <ds:schemaRef ds:uri="http://schemas.microsoft.com/office/2006/metadata/contentType"/>
@@ -6916,28 +6932,4 @@
     <ds:schemaRef ds:uri="http://schemas.microsoft.com/internal/obd"/>
   </ds:schemaRefs>
 </ds:datastoreItem>
-</file>
-
-<file path=customXml/itemProps2.xml><?xml version="1.0" encoding="utf-8"?>
-<ds:datastoreItem xmlns:ds="http://schemas.openxmlformats.org/officeDocument/2006/customXml" ds:itemID="{166AD069-051C-46FD-A0CD-BDE143FEA57D}">
-  <ds:schemaRefs>
-    <ds:schemaRef ds:uri="http://schemas.microsoft.com/sharepoint/v3/contenttype/forms"/>
-  </ds:schemaRefs>
-</ds:datastoreItem>
-</file>
-
-<file path=customXml/itemProps3.xml><?xml version="1.0" encoding="utf-8"?>
-<ds:datastoreItem xmlns:ds="http://schemas.openxmlformats.org/officeDocument/2006/customXml" ds:itemID="{8E1455B4-EFFE-4AEE-ADC2-FE51D16F6234}">
-  <ds:schemaRefs>
-    <ds:schemaRef ds:uri="9a324a02-be43-499b-8089-7896e70993e7"/>
-    <ds:schemaRef ds:uri="http://purl.org/dc/elements/1.1/"/>
-    <ds:schemaRef ds:uri="http://schemas.microsoft.com/office/2006/metadata/properties"/>
-    <ds:schemaRef ds:uri="http://purl.org/dc/terms/"/>
-    <ds:schemaRef ds:uri="http://schemas.openxmlformats.org/package/2006/metadata/core-properties"/>
-    <ds:schemaRef ds:uri="http://purl.org/dc/dcmitype/"/>
-    <ds:schemaRef ds:uri="http://schemas.microsoft.com/office/2006/documentManagement/types"/>
-    <ds:schemaRef ds:uri="http://schemas.microsoft.com/office/infopath/2007/PartnerControls"/>
-    <ds:schemaRef ds:uri="http://www.w3.org/XML/1998/namespace"/>
-  </ds:schemaRefs>
-</ds:datastoreItem>
 </file>
--- a/presentation/Helpdesk/Pintér Dávid/david_pinter_presentation.pptx
+++ b/presentation/Helpdesk/Pintér Dávid/david_pinter_presentation.pptx
@@ -235,7 +235,7 @@
             <a:fld id="{108E5D05-7368-4B91-AD81-999E65E8BFFE}" type="datetimeFigureOut">
               <a:rPr lang="hu-HU" smtClean="0"/>
               <a:pPr/>
-              <a:t>2017.03.07.</a:t>
+              <a:t>2017.03.08.</a:t>
             </a:fld>
             <a:endParaRPr lang="hu-HU"/>
           </a:p>
@@ -732,7 +732,7 @@
             </a:r>
             <a:r>
               <a:rPr lang="hu-HU" baseline="0" dirty="0"/>
-              <a:t>fejlesztőnek ismernie kell a webet!(ÚGY ÉRZEM/GONDOLOM/MEGFOGALMAZÓDOTT BENNEM)</a:t>
+              <a:t>fejlesztőnek ismernie kell a webet!(ELVEM)</a:t>
             </a:r>
           </a:p>
         </p:txBody>
@@ -827,12 +827,8 @@
           </a:p>
           <a:p>
             <a:r>
-              <a:rPr lang="hu-HU" b="1" baseline="0" dirty="0"/>
-              <a:t>MÉLY VÍZ</a:t>
-            </a:r>
-            <a:r>
               <a:rPr lang="hu-HU" baseline="0" dirty="0"/>
-              <a:t>, KÜLÖNBÖZŐ TECHNOLÓGIÁK, TEST ENTITY, </a:t>
+              <a:t>KRITIKUS FELADAT, KÜLÖNBÖZŐ TECHNOLÓGIÁK, TEST ENTITY, </a:t>
             </a:r>
             <a:r>
               <a:rPr lang="hu-HU" b="1" baseline="0" dirty="0"/>
@@ -987,8 +983,14 @@
           </a:p>
           <a:p>
             <a:r>
+              <a:rPr lang="hu-HU" b="1" baseline="0" dirty="0"/>
+              <a:t>REAL TIME MEGJELENÍTÉS</a:t>
+            </a:r>
+          </a:p>
+          <a:p>
+            <a:r>
               <a:rPr lang="hu-HU" baseline="0" dirty="0"/>
-              <a:t>CROSS-ORIGIN REQUESTEK(KIHÍVÁS) </a:t>
+              <a:t>//CROSS-ORIGIN REQUESTEK(KIHÍVÁS)</a:t>
             </a:r>
           </a:p>
         </p:txBody>
@@ -1085,6 +1087,12 @@
             <a:r>
               <a:rPr lang="hu-HU" baseline="0" dirty="0"/>
               <a:t>JÓ HANGULAT: KÉPZÉS + PROJEKT MUNKA</a:t>
+            </a:r>
+          </a:p>
+          <a:p>
+            <a:r>
+              <a:rPr lang="hu-HU" b="1" baseline="0" dirty="0"/>
+              <a:t>JÓ VOLT VELETEK DOLGOZNI</a:t>
             </a:r>
           </a:p>
         </p:txBody>
@@ -1258,7 +1266,7 @@
             <a:fld id="{C6E8B002-83F0-41C5-A7B7-2819A96BD9B2}" type="datetimeFigureOut">
               <a:rPr lang="hu-HU" smtClean="0"/>
               <a:pPr/>
-              <a:t>2017.03.07.</a:t>
+              <a:t>2017.03.08.</a:t>
             </a:fld>
             <a:endParaRPr lang="hu-HU"/>
           </a:p>
@@ -1430,7 +1438,7 @@
             <a:fld id="{C6E8B002-83F0-41C5-A7B7-2819A96BD9B2}" type="datetimeFigureOut">
               <a:rPr lang="hu-HU" smtClean="0"/>
               <a:pPr/>
-              <a:t>2017.03.07.</a:t>
+              <a:t>2017.03.08.</a:t>
             </a:fld>
             <a:endParaRPr lang="hu-HU"/>
           </a:p>
@@ -1612,7 +1620,7 @@
             <a:fld id="{C6E8B002-83F0-41C5-A7B7-2819A96BD9B2}" type="datetimeFigureOut">
               <a:rPr lang="hu-HU" smtClean="0"/>
               <a:pPr/>
-              <a:t>2017.03.07.</a:t>
+              <a:t>2017.03.08.</a:t>
             </a:fld>
             <a:endParaRPr lang="hu-HU"/>
           </a:p>
@@ -1784,7 +1792,7 @@
             <a:fld id="{C6E8B002-83F0-41C5-A7B7-2819A96BD9B2}" type="datetimeFigureOut">
               <a:rPr lang="hu-HU" smtClean="0"/>
               <a:pPr/>
-              <a:t>2017.03.07.</a:t>
+              <a:t>2017.03.08.</a:t>
             </a:fld>
             <a:endParaRPr lang="hu-HU"/>
           </a:p>
@@ -2030,7 +2038,7 @@
             <a:fld id="{C6E8B002-83F0-41C5-A7B7-2819A96BD9B2}" type="datetimeFigureOut">
               <a:rPr lang="hu-HU" smtClean="0"/>
               <a:pPr/>
-              <a:t>2017.03.07.</a:t>
+              <a:t>2017.03.08.</a:t>
             </a:fld>
             <a:endParaRPr lang="hu-HU"/>
           </a:p>
@@ -2264,7 +2272,7 @@
             <a:fld id="{C6E8B002-83F0-41C5-A7B7-2819A96BD9B2}" type="datetimeFigureOut">
               <a:rPr lang="hu-HU" smtClean="0"/>
               <a:pPr/>
-              <a:t>2017.03.07.</a:t>
+              <a:t>2017.03.08.</a:t>
             </a:fld>
             <a:endParaRPr lang="hu-HU"/>
           </a:p>
@@ -2633,7 +2641,7 @@
             <a:fld id="{C6E8B002-83F0-41C5-A7B7-2819A96BD9B2}" type="datetimeFigureOut">
               <a:rPr lang="hu-HU" smtClean="0"/>
               <a:pPr/>
-              <a:t>2017.03.07.</a:t>
+              <a:t>2017.03.08.</a:t>
             </a:fld>
             <a:endParaRPr lang="hu-HU"/>
           </a:p>
@@ -2753,7 +2761,7 @@
             <a:fld id="{C6E8B002-83F0-41C5-A7B7-2819A96BD9B2}" type="datetimeFigureOut">
               <a:rPr lang="hu-HU" smtClean="0"/>
               <a:pPr/>
-              <a:t>2017.03.07.</a:t>
+              <a:t>2017.03.08.</a:t>
             </a:fld>
             <a:endParaRPr lang="hu-HU"/>
           </a:p>
@@ -2850,7 +2858,7 @@
             <a:fld id="{C6E8B002-83F0-41C5-A7B7-2819A96BD9B2}" type="datetimeFigureOut">
               <a:rPr lang="hu-HU" smtClean="0"/>
               <a:pPr/>
-              <a:t>2017.03.07.</a:t>
+              <a:t>2017.03.08.</a:t>
             </a:fld>
             <a:endParaRPr lang="hu-HU"/>
           </a:p>
@@ -3129,7 +3137,7 @@
             <a:fld id="{C6E8B002-83F0-41C5-A7B7-2819A96BD9B2}" type="datetimeFigureOut">
               <a:rPr lang="hu-HU" smtClean="0"/>
               <a:pPr/>
-              <a:t>2017.03.07.</a:t>
+              <a:t>2017.03.08.</a:t>
             </a:fld>
             <a:endParaRPr lang="hu-HU"/>
           </a:p>
@@ -3388,7 +3396,7 @@
             <a:fld id="{C6E8B002-83F0-41C5-A7B7-2819A96BD9B2}" type="datetimeFigureOut">
               <a:rPr lang="hu-HU" smtClean="0"/>
               <a:pPr/>
-              <a:t>2017.03.07.</a:t>
+              <a:t>2017.03.08.</a:t>
             </a:fld>
             <a:endParaRPr lang="hu-HU"/>
           </a:p>
@@ -3610,7 +3618,7 @@
             <a:fld id="{C6E8B002-83F0-41C5-A7B7-2819A96BD9B2}" type="datetimeFigureOut">
               <a:rPr lang="hu-HU" smtClean="0"/>
               <a:pPr/>
-              <a:t>2017.03.07.</a:t>
+              <a:t>2017.03.08.</a:t>
             </a:fld>
             <a:endParaRPr lang="hu-HU"/>
           </a:p>
@@ -6167,7 +6175,7 @@
                 </a:solidFill>
                 <a:latin typeface="+mj-lt"/>
               </a:rPr>
-              <a:t>Pintér Dávid</a:t>
+              <a:t>PINTÉR DÁVID</a:t>
             </a:r>
           </a:p>
         </p:txBody>
